--- a/Prezentace/1. ročník/PGM_01_uvod_do_algoritmizace_programovaci_jazyk.pptx
+++ b/Prezentace/1. ročník/PGM_01_uvod_do_algoritmizace_programovaci_jazyk.pptx
@@ -6,23 +6,24 @@
     <p:sldMasterId id="2147483686" r:id="rId2"/>
   </p:sldMasterIdLst>
   <p:notesMasterIdLst>
-    <p:notesMasterId r:id="rId14"/>
+    <p:notesMasterId r:id="rId15"/>
   </p:notesMasterIdLst>
   <p:handoutMasterIdLst>
-    <p:handoutMasterId r:id="rId15"/>
+    <p:handoutMasterId r:id="rId16"/>
   </p:handoutMasterIdLst>
   <p:sldIdLst>
     <p:sldId id="257" r:id="rId3"/>
     <p:sldId id="258" r:id="rId4"/>
     <p:sldId id="259" r:id="rId5"/>
-    <p:sldId id="260" r:id="rId6"/>
-    <p:sldId id="261" r:id="rId7"/>
-    <p:sldId id="262" r:id="rId8"/>
-    <p:sldId id="263" r:id="rId9"/>
-    <p:sldId id="265" r:id="rId10"/>
-    <p:sldId id="267" r:id="rId11"/>
-    <p:sldId id="268" r:id="rId12"/>
-    <p:sldId id="269" r:id="rId13"/>
+    <p:sldId id="270" r:id="rId6"/>
+    <p:sldId id="260" r:id="rId7"/>
+    <p:sldId id="261" r:id="rId8"/>
+    <p:sldId id="262" r:id="rId9"/>
+    <p:sldId id="263" r:id="rId10"/>
+    <p:sldId id="265" r:id="rId11"/>
+    <p:sldId id="267" r:id="rId12"/>
+    <p:sldId id="268" r:id="rId13"/>
+    <p:sldId id="269" r:id="rId14"/>
   </p:sldIdLst>
   <p:sldSz cx="12192000" cy="6858000"/>
   <p:notesSz cx="6858000" cy="9144000"/>
@@ -216,7 +217,7 @@
             <a:pPr rtl="0"/>
             <a:fld id="{A7C37B7A-38A4-4B60-A2B7-E4E91D122A47}" type="datetime1">
               <a:rPr lang="cs-CZ" smtClean="0"/>
-              <a:t>20.06.2024</a:t>
+              <a:t>03.10.2024</a:t>
             </a:fld>
             <a:endParaRPr lang="en-US" dirty="0"/>
           </a:p>
@@ -386,7 +387,7 @@
             <a:pPr rtl="0"/>
             <a:fld id="{EC533FD1-2B9D-4450-9DC7-33FF2D8407E4}" type="datetime1">
               <a:rPr lang="cs-CZ" smtClean="0"/>
-              <a:t>20.06.2024</a:t>
+              <a:t>03.10.2024</a:t>
             </a:fld>
             <a:endParaRPr lang="en-US"/>
           </a:p>
@@ -7792,7 +7793,7 @@
         <p:spPr>
           <a:xfrm>
             <a:off x="808638" y="386930"/>
-            <a:ext cx="10272804" cy="1188950"/>
+            <a:ext cx="9236700" cy="1188950"/>
           </a:xfrm>
         </p:spPr>
         <p:txBody>
@@ -7803,7 +7804,7 @@
           <a:p>
             <a:r>
               <a:rPr lang="cs-CZ" sz="5400" dirty="0"/>
-              <a:t>Dělení dle způsobu překladu a spuštění</a:t>
+              <a:t>Nižší a vyšší programovací jazyky</a:t>
             </a:r>
           </a:p>
         </p:txBody>
@@ -8034,104 +8035,6 @@
       </p:sp>
       <p:sp>
         <p:nvSpPr>
-          <p:cNvPr id="3" name="Zástupný obsah 2">
-            <a:extLst>
-              <a:ext uri="{FF2B5EF4-FFF2-40B4-BE49-F238E27FC236}">
-                <a16:creationId xmlns:a16="http://schemas.microsoft.com/office/drawing/2014/main" id="{F73EB809-7F37-CE04-DE00-455960E1B21D}"/>
-              </a:ext>
-            </a:extLst>
-          </p:cNvPr>
-          <p:cNvSpPr>
-            <a:spLocks noGrp="1"/>
-          </p:cNvSpPr>
-          <p:nvPr>
-            <p:ph idx="1"/>
-          </p:nvPr>
-        </p:nvSpPr>
-        <p:spPr>
-          <a:xfrm>
-            <a:off x="793660" y="2599509"/>
-            <a:ext cx="10143668" cy="3435531"/>
-          </a:xfrm>
-        </p:spPr>
-        <p:txBody>
-          <a:bodyPr anchor="ctr">
-            <a:normAutofit fontScale="92500" lnSpcReduction="10000"/>
-          </a:bodyPr>
-          <a:lstStyle/>
-          <a:p>
-            <a:r>
-              <a:rPr lang="cs-CZ" b="1" dirty="0"/>
-              <a:t>Kompilované </a:t>
-            </a:r>
-          </a:p>
-          <a:p>
-            <a:pPr lvl="1"/>
-            <a:r>
-              <a:rPr lang="cs-CZ" dirty="0"/>
-              <a:t>Celé přeloženy kompilátorem a až následně je lze spouštět</a:t>
-            </a:r>
-          </a:p>
-          <a:p>
-            <a:pPr lvl="1"/>
-            <a:r>
-              <a:rPr lang="cs-CZ" dirty="0"/>
-              <a:t>Vyšší nároky na formální správnost kódu</a:t>
-            </a:r>
-          </a:p>
-          <a:p>
-            <a:pPr lvl="1"/>
-            <a:r>
-              <a:rPr lang="cs-CZ" dirty="0"/>
-              <a:t>Překlad do strojového nebo do </a:t>
-            </a:r>
-            <a:r>
-              <a:rPr lang="cs-CZ" dirty="0" err="1"/>
-              <a:t>pseudo</a:t>
-            </a:r>
-            <a:r>
-              <a:rPr lang="cs-CZ" dirty="0"/>
-              <a:t> strojového kódu</a:t>
-            </a:r>
-          </a:p>
-          <a:p>
-            <a:pPr lvl="1"/>
-            <a:r>
-              <a:rPr lang="cs-CZ" dirty="0"/>
-              <a:t>C, C++, C#, Java</a:t>
-            </a:r>
-          </a:p>
-          <a:p>
-            <a:r>
-              <a:rPr lang="cs-CZ" b="1" dirty="0"/>
-              <a:t>Interpretované </a:t>
-            </a:r>
-          </a:p>
-          <a:p>
-            <a:pPr lvl="1"/>
-            <a:r>
-              <a:rPr lang="cs-CZ" dirty="0"/>
-              <a:t>Překlad probíhá za běhu programu </a:t>
-            </a:r>
-          </a:p>
-          <a:p>
-            <a:pPr lvl="1"/>
-            <a:r>
-              <a:rPr lang="cs-CZ" dirty="0"/>
-              <a:t>„Překlad“ se provádí pomocí interpretu – zajišťuje provádění instrukcí</a:t>
-            </a:r>
-          </a:p>
-          <a:p>
-            <a:pPr lvl="1"/>
-            <a:r>
-              <a:rPr lang="cs-CZ" dirty="0"/>
-              <a:t>PHP, Python, Perl</a:t>
-            </a:r>
-          </a:p>
-        </p:txBody>
-      </p:sp>
-      <p:sp>
-        <p:nvSpPr>
           <p:cNvPr id="4" name="Zástupný symbol pro číslo snímku 3">
             <a:extLst>
               <a:ext uri="{FF2B5EF4-FFF2-40B4-BE49-F238E27FC236}">
@@ -8176,10 +8079,69 @@
           </a:p>
         </p:txBody>
       </p:sp>
+      <p:pic>
+        <p:nvPicPr>
+          <p:cNvPr id="5" name="Zástupný obsah 6" descr="Obsah obrázku text&#10;&#10;Popis byl vytvořen automaticky">
+            <a:extLst>
+              <a:ext uri="{FF2B5EF4-FFF2-40B4-BE49-F238E27FC236}">
+                <a16:creationId xmlns:a16="http://schemas.microsoft.com/office/drawing/2014/main" id="{F09AC3E7-4612-1EE7-0993-AD2EEAE2CF6A}"/>
+              </a:ext>
+            </a:extLst>
+          </p:cNvPr>
+          <p:cNvPicPr>
+            <a:picLocks noGrp="1" noChangeAspect="1"/>
+          </p:cNvPicPr>
+          <p:nvPr>
+            <p:ph idx="1"/>
+          </p:nvPr>
+        </p:nvPicPr>
+        <p:blipFill>
+          <a:blip r:embed="rId2"/>
+          <a:stretch>
+            <a:fillRect/>
+          </a:stretch>
+        </p:blipFill>
+        <p:spPr>
+          <a:xfrm>
+            <a:off x="727658" y="2591076"/>
+            <a:ext cx="4191000" cy="3371850"/>
+          </a:xfrm>
+        </p:spPr>
+      </p:pic>
+      <p:pic>
+        <p:nvPicPr>
+          <p:cNvPr id="6" name="Zástupný obsah 8" descr="Obsah obrázku snímek obrazovky&#10;&#10;Popis byl vytvořen automaticky">
+            <a:extLst>
+              <a:ext uri="{FF2B5EF4-FFF2-40B4-BE49-F238E27FC236}">
+                <a16:creationId xmlns:a16="http://schemas.microsoft.com/office/drawing/2014/main" id="{DDC6C039-175B-8BFC-5DCE-EB6D317E912E}"/>
+              </a:ext>
+            </a:extLst>
+          </p:cNvPr>
+          <p:cNvPicPr>
+            <a:picLocks noChangeAspect="1"/>
+          </p:cNvPicPr>
+          <p:nvPr/>
+        </p:nvPicPr>
+        <p:blipFill>
+          <a:blip r:embed="rId3"/>
+          <a:stretch>
+            <a:fillRect/>
+          </a:stretch>
+        </p:blipFill>
+        <p:spPr>
+          <a:xfrm>
+            <a:off x="5776065" y="2801636"/>
+            <a:ext cx="4868999" cy="2950730"/>
+          </a:xfrm>
+          <a:prstGeom prst="rect">
+            <a:avLst/>
+          </a:prstGeom>
+        </p:spPr>
+      </p:pic>
     </p:spTree>
     <p:extLst>
       <p:ext uri="{BB962C8B-B14F-4D97-AF65-F5344CB8AC3E}">
-        <p14:creationId xmlns:p14="http://schemas.microsoft.com/office/powerpoint/2010/main" val="4137544814"/>
+        <p14:creationId xmlns:p14="http://schemas.microsoft.com/office/powerpoint/2010/main" val="41782903"/>
       </p:ext>
     </p:extLst>
   </p:cSld>
@@ -8298,13 +8260,13 @@
         </p:spPr>
         <p:txBody>
           <a:bodyPr anchor="b">
-            <a:normAutofit/>
+            <a:normAutofit fontScale="90000"/>
           </a:bodyPr>
           <a:lstStyle/>
           <a:p>
             <a:r>
               <a:rPr lang="cs-CZ" sz="5400" dirty="0"/>
-              <a:t>Další dělení programovacích jazyků</a:t>
+              <a:t>Dělení dle způsobu překladu a spuštění</a:t>
             </a:r>
           </a:p>
         </p:txBody>
@@ -8557,106 +8519,76 @@
         </p:spPr>
         <p:txBody>
           <a:bodyPr anchor="ctr">
-            <a:normAutofit/>
+            <a:normAutofit fontScale="92500" lnSpcReduction="10000"/>
           </a:bodyPr>
           <a:lstStyle/>
           <a:p>
             <a:r>
               <a:rPr lang="cs-CZ" b="1" dirty="0"/>
-              <a:t>Procedurální</a:t>
-            </a:r>
+              <a:t>Kompilované </a:t>
+            </a:r>
+          </a:p>
+          <a:p>
+            <a:pPr lvl="1"/>
             <a:r>
               <a:rPr lang="cs-CZ" dirty="0"/>
-              <a:t> (imperativní)</a:t>
+              <a:t>Celé přeloženy kompilátorem a až následně je lze spouštět</a:t>
             </a:r>
           </a:p>
           <a:p>
             <a:pPr lvl="1"/>
             <a:r>
               <a:rPr lang="cs-CZ" dirty="0"/>
-              <a:t>Posloupnost příkazů, která určuje algoritmus</a:t>
+              <a:t>Vyšší nároky na formální správnost kódu</a:t>
             </a:r>
           </a:p>
           <a:p>
             <a:pPr lvl="1"/>
             <a:r>
               <a:rPr lang="cs-CZ" dirty="0"/>
-              <a:t>Strukturované – dělení algoritmu na menší části tvořící celkovou strukturu</a:t>
+              <a:t>Překlad do strojového nebo do </a:t>
+            </a:r>
+            <a:r>
+              <a:rPr lang="cs-CZ" dirty="0" err="1"/>
+              <a:t>pseudo</a:t>
+            </a:r>
+            <a:r>
+              <a:rPr lang="cs-CZ" dirty="0"/>
+              <a:t> strojového kódu</a:t>
             </a:r>
           </a:p>
           <a:p>
             <a:pPr lvl="1"/>
             <a:r>
               <a:rPr lang="cs-CZ" dirty="0"/>
-              <a:t>Objektově orientované – dodržuje objektové paradigma</a:t>
+              <a:t>C, C++, C#, Java</a:t>
             </a:r>
           </a:p>
           <a:p>
             <a:r>
               <a:rPr lang="cs-CZ" b="1" dirty="0"/>
-              <a:t>Neprocedurální</a:t>
-            </a:r>
+              <a:t>Interpretované </a:t>
+            </a:r>
+          </a:p>
+          <a:p>
+            <a:pPr lvl="1"/>
             <a:r>
               <a:rPr lang="cs-CZ" dirty="0"/>
-              <a:t> (deklarativní)</a:t>
+              <a:t>Překlad probíhá za běhu programu </a:t>
             </a:r>
           </a:p>
           <a:p>
             <a:pPr lvl="1"/>
             <a:r>
               <a:rPr lang="cs-CZ" dirty="0"/>
-              <a:t>Vytváření definic, co se má udělat, </a:t>
-            </a:r>
-            <a:r>
-              <a:rPr lang="cs-CZ"/>
-              <a:t>ne jak</a:t>
-            </a:r>
-            <a:endParaRPr lang="cs-CZ" dirty="0"/>
+              <a:t>„Překlad“ se provádí pomocí interpretu – zajišťuje provádění instrukcí</a:t>
+            </a:r>
           </a:p>
           <a:p>
             <a:pPr lvl="1"/>
             <a:r>
               <a:rPr lang="cs-CZ" dirty="0"/>
-              <a:t>Funkcionální – </a:t>
-            </a:r>
-            <a:r>
-              <a:rPr lang="cs-CZ" dirty="0" err="1"/>
-              <a:t>lamba</a:t>
-            </a:r>
-            <a:r>
-              <a:rPr lang="cs-CZ" dirty="0"/>
-              <a:t> kalkul (</a:t>
-            </a:r>
-            <a:r>
-              <a:rPr lang="cs-CZ" dirty="0" err="1"/>
-              <a:t>Haskell</a:t>
-            </a:r>
-            <a:r>
-              <a:rPr lang="cs-CZ" dirty="0"/>
-              <a:t>, </a:t>
-            </a:r>
-            <a:r>
-              <a:rPr lang="cs-CZ" dirty="0" err="1"/>
-              <a:t>Lisp</a:t>
-            </a:r>
-            <a:r>
-              <a:rPr lang="cs-CZ" dirty="0"/>
-              <a:t>, F#)</a:t>
-            </a:r>
-          </a:p>
-          <a:p>
-            <a:pPr lvl="1"/>
-            <a:r>
-              <a:rPr lang="cs-CZ" dirty="0"/>
-              <a:t>Logické – využití matematické logiky (Prolog, </a:t>
-            </a:r>
-            <a:r>
-              <a:rPr lang="cs-CZ" dirty="0" err="1"/>
-              <a:t>Gödel</a:t>
-            </a:r>
-            <a:r>
-              <a:rPr lang="cs-CZ" dirty="0"/>
-              <a:t>)</a:t>
+              <a:t>PHP, Python, Perl</a:t>
             </a:r>
           </a:p>
         </p:txBody>
@@ -8710,7 +8642,7 @@
     </p:spTree>
     <p:extLst>
       <p:ext uri="{BB962C8B-B14F-4D97-AF65-F5344CB8AC3E}">
-        <p14:creationId xmlns:p14="http://schemas.microsoft.com/office/powerpoint/2010/main" val="3761685905"/>
+        <p14:creationId xmlns:p14="http://schemas.microsoft.com/office/powerpoint/2010/main" val="4137544814"/>
       </p:ext>
     </p:extLst>
   </p:cSld>
@@ -8720,7 +8652,7 @@
 </p:sld>
 </file>
 
-<file path=ppt/slides/slide2.xml><?xml version="1.0" encoding="utf-8"?>
+<file path=ppt/slides/slide12.xml><?xml version="1.0" encoding="utf-8"?>
 <p:sld xmlns:a="http://schemas.openxmlformats.org/drawingml/2006/main" xmlns:r="http://schemas.openxmlformats.org/officeDocument/2006/relationships" xmlns:p="http://schemas.openxmlformats.org/presentationml/2006/main">
   <p:cSld>
     <p:bg>
@@ -8747,10 +8679,10 @@
       </p:grpSpPr>
       <p:sp useBgFill="1">
         <p:nvSpPr>
-          <p:cNvPr id="10" name="Rectangle 9">
-            <a:extLst>
-              <a:ext uri="{FF2B5EF4-FFF2-40B4-BE49-F238E27FC236}">
-                <a16:creationId xmlns:a16="http://schemas.microsoft.com/office/drawing/2014/main" id="{FFB60E8C-7224-44A4-87A0-46A1711DD2ED}"/>
+          <p:cNvPr id="9" name="Rectangle 8">
+            <a:extLst>
+              <a:ext uri="{FF2B5EF4-FFF2-40B4-BE49-F238E27FC236}">
+                <a16:creationId xmlns:a16="http://schemas.microsoft.com/office/drawing/2014/main" id="{DBF61EA3-B236-439E-9C0B-340980D56BEE}"/>
               </a:ext>
               <a:ext uri="{C183D7F6-B498-43B3-948B-1728B52AA6E4}">
                 <adec:decorative xmlns:adec="http://schemas.microsoft.com/office/drawing/2017/decorative" val="1"/>
@@ -8807,7 +8739,13 @@
       </p:sp>
       <p:sp>
         <p:nvSpPr>
-          <p:cNvPr id="2" name="Nadpis 1"/>
+          <p:cNvPr id="2" name="Nadpis 1">
+            <a:extLst>
+              <a:ext uri="{FF2B5EF4-FFF2-40B4-BE49-F238E27FC236}">
+                <a16:creationId xmlns:a16="http://schemas.microsoft.com/office/drawing/2014/main" id="{92E19E78-A5FD-D97C-56F8-927423398289}"/>
+              </a:ext>
+            </a:extLst>
+          </p:cNvPr>
           <p:cNvSpPr>
             <a:spLocks noGrp="1"/>
           </p:cNvSpPr>
@@ -8817,8 +8755,8 @@
         </p:nvSpPr>
         <p:spPr>
           <a:xfrm>
-            <a:off x="795528" y="386930"/>
-            <a:ext cx="10141799" cy="1300554"/>
+            <a:off x="808638" y="386930"/>
+            <a:ext cx="10272804" cy="1188950"/>
           </a:xfrm>
         </p:spPr>
         <p:txBody>
@@ -8828,456 +8766,8 @@
           <a:lstStyle/>
           <a:p>
             <a:r>
-              <a:rPr lang="cs-CZ" sz="4800"/>
-              <a:t>Algoritmus</a:t>
-            </a:r>
-          </a:p>
-        </p:txBody>
-      </p:sp>
-      <p:sp>
-        <p:nvSpPr>
-          <p:cNvPr id="12" name="Rectangle 11">
-            <a:extLst>
-              <a:ext uri="{FF2B5EF4-FFF2-40B4-BE49-F238E27FC236}">
-                <a16:creationId xmlns:a16="http://schemas.microsoft.com/office/drawing/2014/main" id="{5DA32751-37A2-45C0-BE94-63D375E27003}"/>
-              </a:ext>
-              <a:ext uri="{C183D7F6-B498-43B3-948B-1728B52AA6E4}">
-                <adec:decorative xmlns:adec="http://schemas.microsoft.com/office/drawing/2017/decorative" val="1"/>
-              </a:ext>
-            </a:extLst>
-          </p:cNvPr>
-          <p:cNvSpPr>
-            <a:spLocks noGrp="1" noRot="1" noChangeAspect="1" noMove="1" noResize="1" noEditPoints="1" noAdjustHandles="1" noChangeArrowheads="1" noChangeShapeType="1" noTextEdit="1"/>
-          </p:cNvSpPr>
-          <p:nvPr>
-            <p:extLst>
-              <p:ext uri="{386F3935-93C4-4BCD-93E2-E3B085C9AB24}">
-                <p16:designElem xmlns:p16="http://schemas.microsoft.com/office/powerpoint/2015/main" val="1"/>
-              </p:ext>
-            </p:extLst>
-          </p:nvPr>
-        </p:nvSpPr>
-        <p:spPr>
-          <a:xfrm flipH="1" flipV="1">
-            <a:off x="-2" y="1998845"/>
-            <a:ext cx="11454595" cy="781699"/>
-          </a:xfrm>
-          <a:prstGeom prst="rect">
-            <a:avLst/>
-          </a:prstGeom>
-          <a:solidFill>
-            <a:schemeClr val="accent4"/>
-          </a:solidFill>
-          <a:ln>
-            <a:noFill/>
-          </a:ln>
-        </p:spPr>
-        <p:style>
-          <a:lnRef idx="2">
-            <a:schemeClr val="accent1">
-              <a:shade val="50000"/>
-            </a:schemeClr>
-          </a:lnRef>
-          <a:fillRef idx="1">
-            <a:schemeClr val="accent1"/>
-          </a:fillRef>
-          <a:effectRef idx="0">
-            <a:schemeClr val="accent1"/>
-          </a:effectRef>
-          <a:fontRef idx="minor">
-            <a:schemeClr val="lt1"/>
-          </a:fontRef>
-        </p:style>
-        <p:txBody>
-          <a:bodyPr rtlCol="0" anchor="ctr"/>
-          <a:lstStyle/>
-          <a:p>
-            <a:pPr algn="ctr"/>
-            <a:endParaRPr lang="en-US"/>
-          </a:p>
-        </p:txBody>
-      </p:sp>
-      <p:sp>
-        <p:nvSpPr>
-          <p:cNvPr id="14" name="Rectangle 13">
-            <a:extLst>
-              <a:ext uri="{FF2B5EF4-FFF2-40B4-BE49-F238E27FC236}">
-                <a16:creationId xmlns:a16="http://schemas.microsoft.com/office/drawing/2014/main" id="{E659831F-0D9A-4C63-9EBB-8435B85A440F}"/>
-              </a:ext>
-              <a:ext uri="{C183D7F6-B498-43B3-948B-1728B52AA6E4}">
-                <adec:decorative xmlns:adec="http://schemas.microsoft.com/office/drawing/2017/decorative" val="1"/>
-              </a:ext>
-            </a:extLst>
-          </p:cNvPr>
-          <p:cNvSpPr>
-            <a:spLocks noGrp="1" noRot="1" noChangeAspect="1" noMove="1" noResize="1" noEditPoints="1" noAdjustHandles="1" noChangeArrowheads="1" noChangeShapeType="1" noTextEdit="1"/>
-          </p:cNvSpPr>
-          <p:nvPr>
-            <p:extLst>
-              <p:ext uri="{386F3935-93C4-4BCD-93E2-E3B085C9AB24}">
-                <p16:designElem xmlns:p16="http://schemas.microsoft.com/office/powerpoint/2015/main" val="1"/>
-              </p:ext>
-            </p:extLst>
-          </p:nvPr>
-        </p:nvSpPr>
-        <p:spPr>
-          <a:xfrm>
-            <a:off x="0" y="2203079"/>
-            <a:ext cx="11383362" cy="4267991"/>
-          </a:xfrm>
-          <a:prstGeom prst="rect">
-            <a:avLst/>
-          </a:prstGeom>
-          <a:solidFill>
-            <a:schemeClr val="bg1"/>
-          </a:solidFill>
-          <a:ln>
-            <a:noFill/>
-          </a:ln>
-          <a:effectLst>
-            <a:outerShdw blurRad="139700" dist="127000" dir="5400000" algn="t" rotWithShape="0">
-              <a:prstClr val="black">
-                <a:alpha val="15000"/>
-              </a:prstClr>
-            </a:outerShdw>
-          </a:effectLst>
-        </p:spPr>
-        <p:style>
-          <a:lnRef idx="2">
-            <a:schemeClr val="accent1">
-              <a:shade val="50000"/>
-            </a:schemeClr>
-          </a:lnRef>
-          <a:fillRef idx="1">
-            <a:schemeClr val="accent1"/>
-          </a:fillRef>
-          <a:effectRef idx="0">
-            <a:schemeClr val="accent1"/>
-          </a:effectRef>
-          <a:fontRef idx="minor">
-            <a:schemeClr val="lt1"/>
-          </a:fontRef>
-        </p:style>
-        <p:txBody>
-          <a:bodyPr rtlCol="0" anchor="ctr"/>
-          <a:lstStyle/>
-          <a:p>
-            <a:pPr algn="ctr"/>
-            <a:endParaRPr lang="en-US"/>
-          </a:p>
-        </p:txBody>
-      </p:sp>
-      <p:pic>
-        <p:nvPicPr>
-          <p:cNvPr id="5" name="Obrázek 4">
-            <a:extLst>
-              <a:ext uri="{FF2B5EF4-FFF2-40B4-BE49-F238E27FC236}">
-                <a16:creationId xmlns:a16="http://schemas.microsoft.com/office/drawing/2014/main" id="{A2B29013-964B-785F-A80B-04C68612BE11}"/>
-              </a:ext>
-            </a:extLst>
-          </p:cNvPr>
-          <p:cNvPicPr>
-            <a:picLocks noChangeAspect="1"/>
-          </p:cNvPicPr>
-          <p:nvPr/>
-        </p:nvPicPr>
-        <p:blipFill>
-          <a:blip r:embed="rId2"/>
-          <a:stretch>
-            <a:fillRect/>
-          </a:stretch>
-        </p:blipFill>
-        <p:spPr>
-          <a:xfrm>
-            <a:off x="635295" y="2953106"/>
-            <a:ext cx="3883447" cy="2154603"/>
-          </a:xfrm>
-          <a:prstGeom prst="rect">
-            <a:avLst/>
-          </a:prstGeom>
-        </p:spPr>
-      </p:pic>
-      <p:sp>
-        <p:nvSpPr>
-          <p:cNvPr id="3" name="Zástupný symbol pro obsah 2"/>
-          <p:cNvSpPr>
-            <a:spLocks noGrp="1"/>
-          </p:cNvSpPr>
-          <p:nvPr>
-            <p:ph idx="1"/>
-          </p:nvPr>
-        </p:nvSpPr>
-        <p:spPr>
-          <a:xfrm>
-            <a:off x="4710545" y="2599509"/>
-            <a:ext cx="6226782" cy="3639450"/>
-          </a:xfrm>
-        </p:spPr>
-        <p:txBody>
-          <a:bodyPr anchor="ctr">
-            <a:normAutofit/>
-          </a:bodyPr>
-          <a:lstStyle/>
-          <a:p>
-            <a:r>
-              <a:rPr lang="cs-CZ" sz="2000" dirty="0"/>
-              <a:t>= postup skládající se z jednotlivých jednoznačně určených kroků tzv. příkazů, které vedou k získání řešení problému</a:t>
-            </a:r>
-          </a:p>
-          <a:p>
-            <a:r>
-              <a:rPr lang="cs-CZ" sz="2000" dirty="0"/>
-              <a:t>Algoritmy nás obklopují stejně jako třeba matematika</a:t>
-            </a:r>
-          </a:p>
-          <a:p>
-            <a:pPr lvl="1"/>
-            <a:r>
-              <a:rPr lang="cs-CZ" sz="1600" dirty="0"/>
-              <a:t>Sociální sítě</a:t>
-            </a:r>
-          </a:p>
-          <a:p>
-            <a:pPr lvl="1"/>
-            <a:r>
-              <a:rPr lang="cs-CZ" sz="1600" dirty="0"/>
-              <a:t>Navigace</a:t>
-            </a:r>
-          </a:p>
-          <a:p>
-            <a:pPr lvl="1"/>
-            <a:r>
-              <a:rPr lang="cs-CZ" sz="1600" dirty="0"/>
-              <a:t>Recept na vaření</a:t>
-            </a:r>
-          </a:p>
-          <a:p>
-            <a:r>
-              <a:rPr lang="cs-CZ" sz="2000" dirty="0"/>
-              <a:t>Nejstarší algoritmus – Euklidův pro určení společní dělitele čísel</a:t>
-            </a:r>
-          </a:p>
-          <a:p>
-            <a:endParaRPr lang="cs-CZ" sz="2000" dirty="0"/>
-          </a:p>
-        </p:txBody>
-      </p:sp>
-      <p:sp>
-        <p:nvSpPr>
-          <p:cNvPr id="16" name="Rectangle 15">
-            <a:extLst>
-              <a:ext uri="{FF2B5EF4-FFF2-40B4-BE49-F238E27FC236}">
-                <a16:creationId xmlns:a16="http://schemas.microsoft.com/office/drawing/2014/main" id="{5A55FBCD-CD42-40F5-8A1B-3203F9CAEEAA}"/>
-              </a:ext>
-              <a:ext uri="{C183D7F6-B498-43B3-948B-1728B52AA6E4}">
-                <adec:decorative xmlns:adec="http://schemas.microsoft.com/office/drawing/2017/decorative" val="1"/>
-              </a:ext>
-            </a:extLst>
-          </p:cNvPr>
-          <p:cNvSpPr>
-            <a:spLocks noGrp="1" noRot="1" noChangeAspect="1" noMove="1" noResize="1" noEditPoints="1" noAdjustHandles="1" noChangeArrowheads="1" noChangeShapeType="1" noTextEdit="1"/>
-          </p:cNvSpPr>
-          <p:nvPr>
-            <p:extLst>
-              <p:ext uri="{386F3935-93C4-4BCD-93E2-E3B085C9AB24}">
-                <p16:designElem xmlns:p16="http://schemas.microsoft.com/office/powerpoint/2015/main" val="1"/>
-              </p:ext>
-            </p:extLst>
-          </p:nvPr>
-        </p:nvSpPr>
-        <p:spPr>
-          <a:xfrm rot="5400000">
-            <a:off x="11228040" y="2313027"/>
-            <a:ext cx="781700" cy="152382"/>
-          </a:xfrm>
-          <a:prstGeom prst="rect">
-            <a:avLst/>
-          </a:prstGeom>
-          <a:solidFill>
-            <a:schemeClr val="accent4"/>
-          </a:solidFill>
-          <a:ln>
-            <a:noFill/>
-          </a:ln>
-        </p:spPr>
-        <p:style>
-          <a:lnRef idx="2">
-            <a:schemeClr val="accent1">
-              <a:shade val="50000"/>
-            </a:schemeClr>
-          </a:lnRef>
-          <a:fillRef idx="1">
-            <a:schemeClr val="accent1"/>
-          </a:fillRef>
-          <a:effectRef idx="0">
-            <a:schemeClr val="accent1"/>
-          </a:effectRef>
-          <a:fontRef idx="minor">
-            <a:schemeClr val="lt1"/>
-          </a:fontRef>
-        </p:style>
-        <p:txBody>
-          <a:bodyPr rtlCol="0" anchor="ctr"/>
-          <a:lstStyle/>
-          <a:p>
-            <a:pPr algn="ctr"/>
-            <a:endParaRPr lang="en-US"/>
-          </a:p>
-        </p:txBody>
-      </p:sp>
-      <p:sp>
-        <p:nvSpPr>
-          <p:cNvPr id="8" name="Zástupný symbol pro číslo snímku 7">
-            <a:extLst>
-              <a:ext uri="{FF2B5EF4-FFF2-40B4-BE49-F238E27FC236}">
-                <a16:creationId xmlns:a16="http://schemas.microsoft.com/office/drawing/2014/main" id="{C6DD546C-04BF-6806-F0F4-E8BD7CB5A654}"/>
-              </a:ext>
-            </a:extLst>
-          </p:cNvPr>
-          <p:cNvSpPr>
-            <a:spLocks noGrp="1"/>
-          </p:cNvSpPr>
-          <p:nvPr>
-            <p:ph type="sldNum" sz="quarter" idx="12"/>
-          </p:nvPr>
-        </p:nvSpPr>
-        <p:spPr/>
-        <p:txBody>
-          <a:bodyPr/>
-          <a:lstStyle/>
-          <a:p>
-            <a:pPr rtl="0"/>
-            <a:fld id="{34B7E4EF-A1BD-40F4-AB7B-04F084DD991D}" type="slidenum">
-              <a:rPr lang="en-US" smtClean="0"/>
-              <a:t>2</a:t>
-            </a:fld>
-            <a:endParaRPr lang="en-US"/>
-          </a:p>
-        </p:txBody>
-      </p:sp>
-    </p:spTree>
-    <p:extLst>
-      <p:ext uri="{BB962C8B-B14F-4D97-AF65-F5344CB8AC3E}">
-        <p14:creationId xmlns:p14="http://schemas.microsoft.com/office/powerpoint/2010/main" val="1031599375"/>
-      </p:ext>
-    </p:extLst>
-  </p:cSld>
-  <p:clrMapOvr>
-    <a:masterClrMapping/>
-  </p:clrMapOvr>
-</p:sld>
-</file>
-
-<file path=ppt/slides/slide3.xml><?xml version="1.0" encoding="utf-8"?>
-<p:sld xmlns:a="http://schemas.openxmlformats.org/drawingml/2006/main" xmlns:r="http://schemas.openxmlformats.org/officeDocument/2006/relationships" xmlns:p="http://schemas.openxmlformats.org/presentationml/2006/main">
-  <p:cSld>
-    <p:bg>
-      <p:bgPr>
-        <a:solidFill>
-          <a:schemeClr val="bg1"/>
-        </a:solidFill>
-        <a:effectLst/>
-      </p:bgPr>
-    </p:bg>
-    <p:spTree>
-      <p:nvGrpSpPr>
-        <p:cNvPr id="1" name=""/>
-        <p:cNvGrpSpPr/>
-        <p:nvPr/>
-      </p:nvGrpSpPr>
-      <p:grpSpPr>
-        <a:xfrm>
-          <a:off x="0" y="0"/>
-          <a:ext cx="0" cy="0"/>
-          <a:chOff x="0" y="0"/>
-          <a:chExt cx="0" cy="0"/>
-        </a:xfrm>
-      </p:grpSpPr>
-      <p:sp useBgFill="1">
-        <p:nvSpPr>
-          <p:cNvPr id="9" name="Rectangle 8">
-            <a:extLst>
-              <a:ext uri="{FF2B5EF4-FFF2-40B4-BE49-F238E27FC236}">
-                <a16:creationId xmlns:a16="http://schemas.microsoft.com/office/drawing/2014/main" id="{DBF61EA3-B236-439E-9C0B-340980D56BEE}"/>
-              </a:ext>
-              <a:ext uri="{C183D7F6-B498-43B3-948B-1728B52AA6E4}">
-                <adec:decorative xmlns:adec="http://schemas.microsoft.com/office/drawing/2017/decorative" val="1"/>
-              </a:ext>
-            </a:extLst>
-          </p:cNvPr>
-          <p:cNvSpPr>
-            <a:spLocks noGrp="1" noRot="1" noChangeAspect="1" noMove="1" noResize="1" noEditPoints="1" noAdjustHandles="1" noChangeArrowheads="1" noChangeShapeType="1" noTextEdit="1"/>
-          </p:cNvSpPr>
-          <p:nvPr>
-            <p:extLst>
-              <p:ext uri="{386F3935-93C4-4BCD-93E2-E3B085C9AB24}">
-                <p16:designElem xmlns:p16="http://schemas.microsoft.com/office/powerpoint/2015/main" val="1"/>
-              </p:ext>
-            </p:extLst>
-          </p:nvPr>
-        </p:nvSpPr>
-        <p:spPr>
-          <a:xfrm>
-            <a:off x="0" y="0"/>
-            <a:ext cx="12191999" cy="6857365"/>
-          </a:xfrm>
-          <a:prstGeom prst="rect">
-            <a:avLst/>
-          </a:prstGeom>
-          <a:ln>
-            <a:noFill/>
-          </a:ln>
-        </p:spPr>
-        <p:style>
-          <a:lnRef idx="2">
-            <a:schemeClr val="accent1">
-              <a:shade val="50000"/>
-            </a:schemeClr>
-          </a:lnRef>
-          <a:fillRef idx="1">
-            <a:schemeClr val="accent1"/>
-          </a:fillRef>
-          <a:effectRef idx="0">
-            <a:schemeClr val="accent1"/>
-          </a:effectRef>
-          <a:fontRef idx="minor">
-            <a:schemeClr val="lt1"/>
-          </a:fontRef>
-        </p:style>
-        <p:txBody>
-          <a:bodyPr rtlCol="0" anchor="ctr"/>
-          <a:lstStyle/>
-          <a:p>
-            <a:pPr algn="ctr"/>
-            <a:endParaRPr lang="en-US"/>
-          </a:p>
-        </p:txBody>
-      </p:sp>
-      <p:sp>
-        <p:nvSpPr>
-          <p:cNvPr id="2" name="Nadpis 1"/>
-          <p:cNvSpPr>
-            <a:spLocks noGrp="1"/>
-          </p:cNvSpPr>
-          <p:nvPr>
-            <p:ph type="title"/>
-          </p:nvPr>
-        </p:nvSpPr>
-        <p:spPr>
-          <a:xfrm>
-            <a:off x="808638" y="386930"/>
-            <a:ext cx="9236700" cy="1188950"/>
-          </a:xfrm>
-        </p:spPr>
-        <p:txBody>
-          <a:bodyPr anchor="b">
-            <a:normAutofit/>
-          </a:bodyPr>
-          <a:lstStyle/>
-          <a:p>
-            <a:r>
-              <a:rPr lang="cs-CZ" sz="5400"/>
-              <a:t>Struktura algoritmu</a:t>
+              <a:rPr lang="cs-CZ" sz="5400" dirty="0"/>
+              <a:t>Další dělení programovacích jazyků</a:t>
             </a:r>
           </a:p>
         </p:txBody>
@@ -9508,7 +8998,13 @@
       </p:sp>
       <p:sp>
         <p:nvSpPr>
-          <p:cNvPr id="3" name="Zástupný symbol pro obsah 2"/>
+          <p:cNvPr id="3" name="Zástupný obsah 2">
+            <a:extLst>
+              <a:ext uri="{FF2B5EF4-FFF2-40B4-BE49-F238E27FC236}">
+                <a16:creationId xmlns:a16="http://schemas.microsoft.com/office/drawing/2014/main" id="{F73EB809-7F37-CE04-DE00-455960E1B21D}"/>
+              </a:ext>
+            </a:extLst>
+          </p:cNvPr>
           <p:cNvSpPr>
             <a:spLocks noGrp="1"/>
           </p:cNvSpPr>
@@ -9524,69 +9020,116 @@
         </p:spPr>
         <p:txBody>
           <a:bodyPr anchor="ctr">
-            <a:normAutofit lnSpcReduction="10000"/>
+            <a:normAutofit/>
           </a:bodyPr>
           <a:lstStyle/>
           <a:p>
             <a:r>
-              <a:rPr lang="cs-CZ" sz="2400" dirty="0"/>
-              <a:t>Obsahuje jeden začátek a jeden konec</a:t>
+              <a:rPr lang="cs-CZ" b="1" dirty="0"/>
+              <a:t>Procedurální</a:t>
+            </a:r>
+            <a:r>
+              <a:rPr lang="cs-CZ" dirty="0"/>
+              <a:t> (imperativní)</a:t>
             </a:r>
           </a:p>
           <a:p>
             <a:pPr lvl="1"/>
             <a:r>
               <a:rPr lang="cs-CZ" dirty="0"/>
-              <a:t>Vstupní a výstupní hodnoty</a:t>
-            </a:r>
-          </a:p>
-          <a:p>
-            <a:r>
-              <a:rPr lang="cs-CZ" sz="2400" dirty="0"/>
-              <a:t>Složen ze sekvencí kroků (příkazů)</a:t>
-            </a:r>
-          </a:p>
-          <a:p>
-            <a:r>
-              <a:rPr lang="cs-CZ" sz="2400" dirty="0"/>
-              <a:t>Vyžaduje se jednoznačnost a srozumitelnost</a:t>
-            </a:r>
-          </a:p>
-          <a:p>
-            <a:r>
-              <a:rPr lang="cs-CZ" sz="2400" dirty="0"/>
-              <a:t>Popis počátečního stavu</a:t>
-            </a:r>
-          </a:p>
-          <a:p>
-            <a:endParaRPr lang="cs-CZ" sz="2400" dirty="0"/>
-          </a:p>
-          <a:p>
-            <a:r>
-              <a:rPr lang="cs-CZ" sz="2400" dirty="0"/>
-              <a:t>Může obsahovat větvení na základě podmínky, cykly, podprogramy</a:t>
-            </a:r>
-          </a:p>
-          <a:p>
-            <a:r>
-              <a:rPr lang="cs-CZ" sz="2400" dirty="0"/>
-              <a:t>Lze jej reprezentovat několika způsoby</a:t>
-            </a:r>
-          </a:p>
-          <a:p>
-            <a:endParaRPr lang="cs-CZ" sz="2400" dirty="0"/>
-          </a:p>
-          <a:p>
-            <a:endParaRPr lang="cs-CZ" sz="2400" dirty="0"/>
-          </a:p>
-        </p:txBody>
-      </p:sp>
-      <p:sp>
-        <p:nvSpPr>
-          <p:cNvPr id="6" name="Zástupný symbol pro číslo snímku 5">
-            <a:extLst>
-              <a:ext uri="{FF2B5EF4-FFF2-40B4-BE49-F238E27FC236}">
-                <a16:creationId xmlns:a16="http://schemas.microsoft.com/office/drawing/2014/main" id="{9F569656-7981-839A-857F-38963569BD9B}"/>
+              <a:t>Posloupnost příkazů, která určuje algoritmus</a:t>
+            </a:r>
+          </a:p>
+          <a:p>
+            <a:pPr lvl="1"/>
+            <a:r>
+              <a:rPr lang="cs-CZ" dirty="0"/>
+              <a:t>Strukturované – dělení algoritmu na menší části tvořící celkovou strukturu</a:t>
+            </a:r>
+          </a:p>
+          <a:p>
+            <a:pPr lvl="1"/>
+            <a:r>
+              <a:rPr lang="cs-CZ" dirty="0"/>
+              <a:t>Objektově orientované – dodržuje objektové paradigma</a:t>
+            </a:r>
+          </a:p>
+          <a:p>
+            <a:r>
+              <a:rPr lang="cs-CZ" b="1" dirty="0"/>
+              <a:t>Neprocedurální</a:t>
+            </a:r>
+            <a:r>
+              <a:rPr lang="cs-CZ" dirty="0"/>
+              <a:t> (deklarativní)</a:t>
+            </a:r>
+          </a:p>
+          <a:p>
+            <a:pPr lvl="1"/>
+            <a:r>
+              <a:rPr lang="cs-CZ" dirty="0"/>
+              <a:t>Vytváření definic, co se má udělat, </a:t>
+            </a:r>
+            <a:r>
+              <a:rPr lang="cs-CZ"/>
+              <a:t>ne jak</a:t>
+            </a:r>
+            <a:endParaRPr lang="cs-CZ" dirty="0"/>
+          </a:p>
+          <a:p>
+            <a:pPr lvl="1"/>
+            <a:r>
+              <a:rPr lang="cs-CZ" dirty="0"/>
+              <a:t>Funkcionální – </a:t>
+            </a:r>
+            <a:r>
+              <a:rPr lang="cs-CZ" dirty="0" err="1"/>
+              <a:t>lamba</a:t>
+            </a:r>
+            <a:r>
+              <a:rPr lang="cs-CZ" dirty="0"/>
+              <a:t> kalkul (</a:t>
+            </a:r>
+            <a:r>
+              <a:rPr lang="cs-CZ" dirty="0" err="1"/>
+              <a:t>Haskell</a:t>
+            </a:r>
+            <a:r>
+              <a:rPr lang="cs-CZ" dirty="0"/>
+              <a:t>, </a:t>
+            </a:r>
+            <a:r>
+              <a:rPr lang="cs-CZ" dirty="0" err="1"/>
+              <a:t>Lisp</a:t>
+            </a:r>
+            <a:r>
+              <a:rPr lang="cs-CZ" dirty="0"/>
+              <a:t>, F#)</a:t>
+            </a:r>
+          </a:p>
+          <a:p>
+            <a:pPr lvl="1"/>
+            <a:r>
+              <a:rPr lang="cs-CZ" dirty="0"/>
+              <a:t>Logické – využití matematické logiky (Prolog, </a:t>
+            </a:r>
+            <a:r>
+              <a:rPr lang="cs-CZ" dirty="0" err="1"/>
+              <a:t>Gödel</a:t>
+            </a:r>
+            <a:r>
+              <a:rPr lang="cs-CZ" dirty="0"/>
+              <a:t>)</a:t>
+            </a:r>
+          </a:p>
+        </p:txBody>
+      </p:sp>
+      <p:sp>
+        <p:nvSpPr>
+          <p:cNvPr id="4" name="Zástupný symbol pro číslo snímku 3">
+            <a:extLst>
+              <a:ext uri="{FF2B5EF4-FFF2-40B4-BE49-F238E27FC236}">
+                <a16:creationId xmlns:a16="http://schemas.microsoft.com/office/drawing/2014/main" id="{32929C61-4166-FAF1-7A94-AD1B5F585B7F}"/>
               </a:ext>
             </a:extLst>
           </p:cNvPr>
@@ -9597,15 +9140,31 @@
             <p:ph type="sldNum" sz="quarter" idx="12"/>
           </p:nvPr>
         </p:nvSpPr>
-        <p:spPr/>
-        <p:txBody>
-          <a:bodyPr/>
-          <a:lstStyle/>
-          <a:p>
-            <a:pPr rtl="0"/>
+        <p:spPr>
+          <a:xfrm>
+            <a:off x="8610600" y="6492240"/>
+            <a:ext cx="2743200" cy="365125"/>
+          </a:xfrm>
+        </p:spPr>
+        <p:txBody>
+          <a:bodyPr>
+            <a:normAutofit/>
+          </a:bodyPr>
+          <a:lstStyle/>
+          <a:p>
+            <a:pPr rtl="0">
+              <a:spcAft>
+                <a:spcPts val="600"/>
+              </a:spcAft>
+            </a:pPr>
             <a:fld id="{34B7E4EF-A1BD-40F4-AB7B-04F084DD991D}" type="slidenum">
               <a:rPr lang="en-US" smtClean="0"/>
-              <a:t>3</a:t>
+              <a:pPr rtl="0">
+                <a:spcAft>
+                  <a:spcPts val="600"/>
+                </a:spcAft>
+              </a:pPr>
+              <a:t>12</a:t>
             </a:fld>
             <a:endParaRPr lang="en-US"/>
           </a:p>
@@ -9614,7 +9173,7 @@
     </p:spTree>
     <p:extLst>
       <p:ext uri="{BB962C8B-B14F-4D97-AF65-F5344CB8AC3E}">
-        <p14:creationId xmlns:p14="http://schemas.microsoft.com/office/powerpoint/2010/main" val="2073617481"/>
+        <p14:creationId xmlns:p14="http://schemas.microsoft.com/office/powerpoint/2010/main" val="3761685905"/>
       </p:ext>
     </p:extLst>
   </p:cSld>
@@ -9624,7 +9183,7 @@
 </p:sld>
 </file>
 
-<file path=ppt/slides/slide4.xml><?xml version="1.0" encoding="utf-8"?>
+<file path=ppt/slides/slide2.xml><?xml version="1.0" encoding="utf-8"?>
 <p:sld xmlns:a="http://schemas.openxmlformats.org/drawingml/2006/main" xmlns:r="http://schemas.openxmlformats.org/officeDocument/2006/relationships" xmlns:p="http://schemas.openxmlformats.org/presentationml/2006/main">
   <p:cSld>
     <p:bg>
@@ -9651,10 +9210,10 @@
       </p:grpSpPr>
       <p:sp useBgFill="1">
         <p:nvSpPr>
-          <p:cNvPr id="9" name="Rectangle 8">
-            <a:extLst>
-              <a:ext uri="{FF2B5EF4-FFF2-40B4-BE49-F238E27FC236}">
-                <a16:creationId xmlns:a16="http://schemas.microsoft.com/office/drawing/2014/main" id="{DBF61EA3-B236-439E-9C0B-340980D56BEE}"/>
+          <p:cNvPr id="10" name="Rectangle 9">
+            <a:extLst>
+              <a:ext uri="{FF2B5EF4-FFF2-40B4-BE49-F238E27FC236}">
+                <a16:creationId xmlns:a16="http://schemas.microsoft.com/office/drawing/2014/main" id="{FFB60E8C-7224-44A4-87A0-46A1711DD2ED}"/>
               </a:ext>
               <a:ext uri="{C183D7F6-B498-43B3-948B-1728B52AA6E4}">
                 <adec:decorative xmlns:adec="http://schemas.microsoft.com/office/drawing/2017/decorative" val="1"/>
@@ -9711,13 +9270,455 @@
       </p:sp>
       <p:sp>
         <p:nvSpPr>
-          <p:cNvPr id="2" name="Nadpis 1">
-            <a:extLst>
-              <a:ext uri="{FF2B5EF4-FFF2-40B4-BE49-F238E27FC236}">
-                <a16:creationId xmlns:a16="http://schemas.microsoft.com/office/drawing/2014/main" id="{62B2E8D4-B9B8-7257-A3F4-C9FDD02C1551}"/>
-              </a:ext>
-            </a:extLst>
-          </p:cNvPr>
+          <p:cNvPr id="2" name="Nadpis 1"/>
+          <p:cNvSpPr>
+            <a:spLocks noGrp="1"/>
+          </p:cNvSpPr>
+          <p:nvPr>
+            <p:ph type="title"/>
+          </p:nvPr>
+        </p:nvSpPr>
+        <p:spPr>
+          <a:xfrm>
+            <a:off x="795528" y="386930"/>
+            <a:ext cx="10141799" cy="1300554"/>
+          </a:xfrm>
+        </p:spPr>
+        <p:txBody>
+          <a:bodyPr anchor="b">
+            <a:normAutofit/>
+          </a:bodyPr>
+          <a:lstStyle/>
+          <a:p>
+            <a:r>
+              <a:rPr lang="cs-CZ" sz="4800"/>
+              <a:t>Algoritmus</a:t>
+            </a:r>
+          </a:p>
+        </p:txBody>
+      </p:sp>
+      <p:sp>
+        <p:nvSpPr>
+          <p:cNvPr id="12" name="Rectangle 11">
+            <a:extLst>
+              <a:ext uri="{FF2B5EF4-FFF2-40B4-BE49-F238E27FC236}">
+                <a16:creationId xmlns:a16="http://schemas.microsoft.com/office/drawing/2014/main" id="{5DA32751-37A2-45C0-BE94-63D375E27003}"/>
+              </a:ext>
+              <a:ext uri="{C183D7F6-B498-43B3-948B-1728B52AA6E4}">
+                <adec:decorative xmlns:adec="http://schemas.microsoft.com/office/drawing/2017/decorative" val="1"/>
+              </a:ext>
+            </a:extLst>
+          </p:cNvPr>
+          <p:cNvSpPr>
+            <a:spLocks noGrp="1" noRot="1" noChangeAspect="1" noMove="1" noResize="1" noEditPoints="1" noAdjustHandles="1" noChangeArrowheads="1" noChangeShapeType="1" noTextEdit="1"/>
+          </p:cNvSpPr>
+          <p:nvPr>
+            <p:extLst>
+              <p:ext uri="{386F3935-93C4-4BCD-93E2-E3B085C9AB24}">
+                <p16:designElem xmlns:p16="http://schemas.microsoft.com/office/powerpoint/2015/main" val="1"/>
+              </p:ext>
+            </p:extLst>
+          </p:nvPr>
+        </p:nvSpPr>
+        <p:spPr>
+          <a:xfrm flipH="1" flipV="1">
+            <a:off x="-2" y="1998845"/>
+            <a:ext cx="11454595" cy="781699"/>
+          </a:xfrm>
+          <a:prstGeom prst="rect">
+            <a:avLst/>
+          </a:prstGeom>
+          <a:solidFill>
+            <a:schemeClr val="accent4"/>
+          </a:solidFill>
+          <a:ln>
+            <a:noFill/>
+          </a:ln>
+        </p:spPr>
+        <p:style>
+          <a:lnRef idx="2">
+            <a:schemeClr val="accent1">
+              <a:shade val="50000"/>
+            </a:schemeClr>
+          </a:lnRef>
+          <a:fillRef idx="1">
+            <a:schemeClr val="accent1"/>
+          </a:fillRef>
+          <a:effectRef idx="0">
+            <a:schemeClr val="accent1"/>
+          </a:effectRef>
+          <a:fontRef idx="minor">
+            <a:schemeClr val="lt1"/>
+          </a:fontRef>
+        </p:style>
+        <p:txBody>
+          <a:bodyPr rtlCol="0" anchor="ctr"/>
+          <a:lstStyle/>
+          <a:p>
+            <a:pPr algn="ctr"/>
+            <a:endParaRPr lang="en-US"/>
+          </a:p>
+        </p:txBody>
+      </p:sp>
+      <p:sp>
+        <p:nvSpPr>
+          <p:cNvPr id="14" name="Rectangle 13">
+            <a:extLst>
+              <a:ext uri="{FF2B5EF4-FFF2-40B4-BE49-F238E27FC236}">
+                <a16:creationId xmlns:a16="http://schemas.microsoft.com/office/drawing/2014/main" id="{E659831F-0D9A-4C63-9EBB-8435B85A440F}"/>
+              </a:ext>
+              <a:ext uri="{C183D7F6-B498-43B3-948B-1728B52AA6E4}">
+                <adec:decorative xmlns:adec="http://schemas.microsoft.com/office/drawing/2017/decorative" val="1"/>
+              </a:ext>
+            </a:extLst>
+          </p:cNvPr>
+          <p:cNvSpPr>
+            <a:spLocks noGrp="1" noRot="1" noChangeAspect="1" noMove="1" noResize="1" noEditPoints="1" noAdjustHandles="1" noChangeArrowheads="1" noChangeShapeType="1" noTextEdit="1"/>
+          </p:cNvSpPr>
+          <p:nvPr>
+            <p:extLst>
+              <p:ext uri="{386F3935-93C4-4BCD-93E2-E3B085C9AB24}">
+                <p16:designElem xmlns:p16="http://schemas.microsoft.com/office/powerpoint/2015/main" val="1"/>
+              </p:ext>
+            </p:extLst>
+          </p:nvPr>
+        </p:nvSpPr>
+        <p:spPr>
+          <a:xfrm>
+            <a:off x="0" y="2203079"/>
+            <a:ext cx="11383362" cy="4267991"/>
+          </a:xfrm>
+          <a:prstGeom prst="rect">
+            <a:avLst/>
+          </a:prstGeom>
+          <a:solidFill>
+            <a:schemeClr val="bg1"/>
+          </a:solidFill>
+          <a:ln>
+            <a:noFill/>
+          </a:ln>
+          <a:effectLst>
+            <a:outerShdw blurRad="139700" dist="127000" dir="5400000" algn="t" rotWithShape="0">
+              <a:prstClr val="black">
+                <a:alpha val="15000"/>
+              </a:prstClr>
+            </a:outerShdw>
+          </a:effectLst>
+        </p:spPr>
+        <p:style>
+          <a:lnRef idx="2">
+            <a:schemeClr val="accent1">
+              <a:shade val="50000"/>
+            </a:schemeClr>
+          </a:lnRef>
+          <a:fillRef idx="1">
+            <a:schemeClr val="accent1"/>
+          </a:fillRef>
+          <a:effectRef idx="0">
+            <a:schemeClr val="accent1"/>
+          </a:effectRef>
+          <a:fontRef idx="minor">
+            <a:schemeClr val="lt1"/>
+          </a:fontRef>
+        </p:style>
+        <p:txBody>
+          <a:bodyPr rtlCol="0" anchor="ctr"/>
+          <a:lstStyle/>
+          <a:p>
+            <a:pPr algn="ctr"/>
+            <a:endParaRPr lang="en-US"/>
+          </a:p>
+        </p:txBody>
+      </p:sp>
+      <p:pic>
+        <p:nvPicPr>
+          <p:cNvPr id="5" name="Obrázek 4">
+            <a:extLst>
+              <a:ext uri="{FF2B5EF4-FFF2-40B4-BE49-F238E27FC236}">
+                <a16:creationId xmlns:a16="http://schemas.microsoft.com/office/drawing/2014/main" id="{A2B29013-964B-785F-A80B-04C68612BE11}"/>
+              </a:ext>
+            </a:extLst>
+          </p:cNvPr>
+          <p:cNvPicPr>
+            <a:picLocks noChangeAspect="1"/>
+          </p:cNvPicPr>
+          <p:nvPr/>
+        </p:nvPicPr>
+        <p:blipFill>
+          <a:blip r:embed="rId2"/>
+          <a:stretch>
+            <a:fillRect/>
+          </a:stretch>
+        </p:blipFill>
+        <p:spPr>
+          <a:xfrm>
+            <a:off x="635295" y="2953106"/>
+            <a:ext cx="3883447" cy="2154603"/>
+          </a:xfrm>
+          <a:prstGeom prst="rect">
+            <a:avLst/>
+          </a:prstGeom>
+        </p:spPr>
+      </p:pic>
+      <p:sp>
+        <p:nvSpPr>
+          <p:cNvPr id="3" name="Zástupný symbol pro obsah 2"/>
+          <p:cNvSpPr>
+            <a:spLocks noGrp="1"/>
+          </p:cNvSpPr>
+          <p:nvPr>
+            <p:ph idx="1"/>
+          </p:nvPr>
+        </p:nvSpPr>
+        <p:spPr>
+          <a:xfrm>
+            <a:off x="4710545" y="2599509"/>
+            <a:ext cx="6226782" cy="3639450"/>
+          </a:xfrm>
+        </p:spPr>
+        <p:txBody>
+          <a:bodyPr anchor="ctr">
+            <a:normAutofit/>
+          </a:bodyPr>
+          <a:lstStyle/>
+          <a:p>
+            <a:r>
+              <a:rPr lang="cs-CZ" sz="2000" dirty="0"/>
+              <a:t>= postup skládající se z jednotlivých jednoznačně určených kroků tzv. příkazů, které vedou k získání řešení problému</a:t>
+            </a:r>
+          </a:p>
+          <a:p>
+            <a:r>
+              <a:rPr lang="cs-CZ" sz="2000" dirty="0"/>
+              <a:t>Algoritmy nás obklopují stejně jako třeba matematika</a:t>
+            </a:r>
+          </a:p>
+          <a:p>
+            <a:pPr lvl="1"/>
+            <a:r>
+              <a:rPr lang="cs-CZ" sz="1600" dirty="0"/>
+              <a:t>Sociální sítě</a:t>
+            </a:r>
+          </a:p>
+          <a:p>
+            <a:pPr lvl="1"/>
+            <a:r>
+              <a:rPr lang="cs-CZ" sz="1600" dirty="0"/>
+              <a:t>Navigace</a:t>
+            </a:r>
+          </a:p>
+          <a:p>
+            <a:pPr lvl="1"/>
+            <a:r>
+              <a:rPr lang="cs-CZ" sz="1600" dirty="0"/>
+              <a:t>Recept na vaření</a:t>
+            </a:r>
+          </a:p>
+          <a:p>
+            <a:r>
+              <a:rPr lang="cs-CZ" sz="2000" dirty="0"/>
+              <a:t>Nejstarší algoritmus – Euklidův pro určení společní dělitele čísel</a:t>
+            </a:r>
+          </a:p>
+          <a:p>
+            <a:endParaRPr lang="cs-CZ" sz="2000" dirty="0"/>
+          </a:p>
+        </p:txBody>
+      </p:sp>
+      <p:sp>
+        <p:nvSpPr>
+          <p:cNvPr id="16" name="Rectangle 15">
+            <a:extLst>
+              <a:ext uri="{FF2B5EF4-FFF2-40B4-BE49-F238E27FC236}">
+                <a16:creationId xmlns:a16="http://schemas.microsoft.com/office/drawing/2014/main" id="{5A55FBCD-CD42-40F5-8A1B-3203F9CAEEAA}"/>
+              </a:ext>
+              <a:ext uri="{C183D7F6-B498-43B3-948B-1728B52AA6E4}">
+                <adec:decorative xmlns:adec="http://schemas.microsoft.com/office/drawing/2017/decorative" val="1"/>
+              </a:ext>
+            </a:extLst>
+          </p:cNvPr>
+          <p:cNvSpPr>
+            <a:spLocks noGrp="1" noRot="1" noChangeAspect="1" noMove="1" noResize="1" noEditPoints="1" noAdjustHandles="1" noChangeArrowheads="1" noChangeShapeType="1" noTextEdit="1"/>
+          </p:cNvSpPr>
+          <p:nvPr>
+            <p:extLst>
+              <p:ext uri="{386F3935-93C4-4BCD-93E2-E3B085C9AB24}">
+                <p16:designElem xmlns:p16="http://schemas.microsoft.com/office/powerpoint/2015/main" val="1"/>
+              </p:ext>
+            </p:extLst>
+          </p:nvPr>
+        </p:nvSpPr>
+        <p:spPr>
+          <a:xfrm rot="5400000">
+            <a:off x="11228040" y="2313027"/>
+            <a:ext cx="781700" cy="152382"/>
+          </a:xfrm>
+          <a:prstGeom prst="rect">
+            <a:avLst/>
+          </a:prstGeom>
+          <a:solidFill>
+            <a:schemeClr val="accent4"/>
+          </a:solidFill>
+          <a:ln>
+            <a:noFill/>
+          </a:ln>
+        </p:spPr>
+        <p:style>
+          <a:lnRef idx="2">
+            <a:schemeClr val="accent1">
+              <a:shade val="50000"/>
+            </a:schemeClr>
+          </a:lnRef>
+          <a:fillRef idx="1">
+            <a:schemeClr val="accent1"/>
+          </a:fillRef>
+          <a:effectRef idx="0">
+            <a:schemeClr val="accent1"/>
+          </a:effectRef>
+          <a:fontRef idx="minor">
+            <a:schemeClr val="lt1"/>
+          </a:fontRef>
+        </p:style>
+        <p:txBody>
+          <a:bodyPr rtlCol="0" anchor="ctr"/>
+          <a:lstStyle/>
+          <a:p>
+            <a:pPr algn="ctr"/>
+            <a:endParaRPr lang="en-US"/>
+          </a:p>
+        </p:txBody>
+      </p:sp>
+      <p:sp>
+        <p:nvSpPr>
+          <p:cNvPr id="8" name="Zástupný symbol pro číslo snímku 7">
+            <a:extLst>
+              <a:ext uri="{FF2B5EF4-FFF2-40B4-BE49-F238E27FC236}">
+                <a16:creationId xmlns:a16="http://schemas.microsoft.com/office/drawing/2014/main" id="{C6DD546C-04BF-6806-F0F4-E8BD7CB5A654}"/>
+              </a:ext>
+            </a:extLst>
+          </p:cNvPr>
+          <p:cNvSpPr>
+            <a:spLocks noGrp="1"/>
+          </p:cNvSpPr>
+          <p:nvPr>
+            <p:ph type="sldNum" sz="quarter" idx="12"/>
+          </p:nvPr>
+        </p:nvSpPr>
+        <p:spPr/>
+        <p:txBody>
+          <a:bodyPr/>
+          <a:lstStyle/>
+          <a:p>
+            <a:pPr rtl="0"/>
+            <a:fld id="{34B7E4EF-A1BD-40F4-AB7B-04F084DD991D}" type="slidenum">
+              <a:rPr lang="en-US" smtClean="0"/>
+              <a:t>2</a:t>
+            </a:fld>
+            <a:endParaRPr lang="en-US"/>
+          </a:p>
+        </p:txBody>
+      </p:sp>
+    </p:spTree>
+    <p:extLst>
+      <p:ext uri="{BB962C8B-B14F-4D97-AF65-F5344CB8AC3E}">
+        <p14:creationId xmlns:p14="http://schemas.microsoft.com/office/powerpoint/2010/main" val="1031599375"/>
+      </p:ext>
+    </p:extLst>
+  </p:cSld>
+  <p:clrMapOvr>
+    <a:masterClrMapping/>
+  </p:clrMapOvr>
+</p:sld>
+</file>
+
+<file path=ppt/slides/slide3.xml><?xml version="1.0" encoding="utf-8"?>
+<p:sld xmlns:a="http://schemas.openxmlformats.org/drawingml/2006/main" xmlns:r="http://schemas.openxmlformats.org/officeDocument/2006/relationships" xmlns:p="http://schemas.openxmlformats.org/presentationml/2006/main">
+  <p:cSld>
+    <p:bg>
+      <p:bgPr>
+        <a:solidFill>
+          <a:schemeClr val="bg1"/>
+        </a:solidFill>
+        <a:effectLst/>
+      </p:bgPr>
+    </p:bg>
+    <p:spTree>
+      <p:nvGrpSpPr>
+        <p:cNvPr id="1" name=""/>
+        <p:cNvGrpSpPr/>
+        <p:nvPr/>
+      </p:nvGrpSpPr>
+      <p:grpSpPr>
+        <a:xfrm>
+          <a:off x="0" y="0"/>
+          <a:ext cx="0" cy="0"/>
+          <a:chOff x="0" y="0"/>
+          <a:chExt cx="0" cy="0"/>
+        </a:xfrm>
+      </p:grpSpPr>
+      <p:sp useBgFill="1">
+        <p:nvSpPr>
+          <p:cNvPr id="9" name="Rectangle 8">
+            <a:extLst>
+              <a:ext uri="{FF2B5EF4-FFF2-40B4-BE49-F238E27FC236}">
+                <a16:creationId xmlns:a16="http://schemas.microsoft.com/office/drawing/2014/main" id="{DBF61EA3-B236-439E-9C0B-340980D56BEE}"/>
+              </a:ext>
+              <a:ext uri="{C183D7F6-B498-43B3-948B-1728B52AA6E4}">
+                <adec:decorative xmlns:adec="http://schemas.microsoft.com/office/drawing/2017/decorative" val="1"/>
+              </a:ext>
+            </a:extLst>
+          </p:cNvPr>
+          <p:cNvSpPr>
+            <a:spLocks noGrp="1" noRot="1" noChangeAspect="1" noMove="1" noResize="1" noEditPoints="1" noAdjustHandles="1" noChangeArrowheads="1" noChangeShapeType="1" noTextEdit="1"/>
+          </p:cNvSpPr>
+          <p:nvPr>
+            <p:extLst>
+              <p:ext uri="{386F3935-93C4-4BCD-93E2-E3B085C9AB24}">
+                <p16:designElem xmlns:p16="http://schemas.microsoft.com/office/powerpoint/2015/main" val="1"/>
+              </p:ext>
+            </p:extLst>
+          </p:nvPr>
+        </p:nvSpPr>
+        <p:spPr>
+          <a:xfrm>
+            <a:off x="0" y="0"/>
+            <a:ext cx="12191999" cy="6857365"/>
+          </a:xfrm>
+          <a:prstGeom prst="rect">
+            <a:avLst/>
+          </a:prstGeom>
+          <a:ln>
+            <a:noFill/>
+          </a:ln>
+        </p:spPr>
+        <p:style>
+          <a:lnRef idx="2">
+            <a:schemeClr val="accent1">
+              <a:shade val="50000"/>
+            </a:schemeClr>
+          </a:lnRef>
+          <a:fillRef idx="1">
+            <a:schemeClr val="accent1"/>
+          </a:fillRef>
+          <a:effectRef idx="0">
+            <a:schemeClr val="accent1"/>
+          </a:effectRef>
+          <a:fontRef idx="minor">
+            <a:schemeClr val="lt1"/>
+          </a:fontRef>
+        </p:style>
+        <p:txBody>
+          <a:bodyPr rtlCol="0" anchor="ctr"/>
+          <a:lstStyle/>
+          <a:p>
+            <a:pPr algn="ctr"/>
+            <a:endParaRPr lang="en-US"/>
+          </a:p>
+        </p:txBody>
+      </p:sp>
+      <p:sp>
+        <p:nvSpPr>
+          <p:cNvPr id="2" name="Nadpis 1"/>
           <p:cNvSpPr>
             <a:spLocks noGrp="1"/>
           </p:cNvSpPr>
@@ -9739,7 +9740,7 @@
           <a:p>
             <a:r>
               <a:rPr lang="cs-CZ" sz="5400"/>
-              <a:t>Reprezentace algoritmu</a:t>
+              <a:t>Struktura algoritmu</a:t>
             </a:r>
           </a:p>
         </p:txBody>
@@ -9970,13 +9971,7 @@
       </p:sp>
       <p:sp>
         <p:nvSpPr>
-          <p:cNvPr id="3" name="Zástupný obsah 2">
-            <a:extLst>
-              <a:ext uri="{FF2B5EF4-FFF2-40B4-BE49-F238E27FC236}">
-                <a16:creationId xmlns:a16="http://schemas.microsoft.com/office/drawing/2014/main" id="{0322C96A-3A67-5237-5BE8-2D6C11E592B7}"/>
-              </a:ext>
-            </a:extLst>
-          </p:cNvPr>
+          <p:cNvPr id="3" name="Zástupný symbol pro obsah 2"/>
           <p:cNvSpPr>
             <a:spLocks noGrp="1"/>
           </p:cNvSpPr>
@@ -9992,95 +9987,529 @@
         </p:spPr>
         <p:txBody>
           <a:bodyPr anchor="ctr">
-            <a:normAutofit fontScale="77500" lnSpcReduction="20000"/>
+            <a:normAutofit lnSpcReduction="10000"/>
           </a:bodyPr>
           <a:lstStyle/>
           <a:p>
             <a:r>
-              <a:rPr lang="cs-CZ" sz="2000" dirty="0"/>
-              <a:t>Slovně</a:t>
+              <a:rPr lang="cs-CZ" sz="2400" dirty="0"/>
+              <a:t>Obsahuje jeden začátek a jeden konec</a:t>
             </a:r>
           </a:p>
           <a:p>
             <a:pPr lvl="1"/>
             <a:r>
-              <a:rPr lang="cs-CZ" sz="1600" dirty="0"/>
-              <a:t>Jednotlivé kroky jsou vyjádřeny v přirozeném jazyce</a:t>
-            </a:r>
-          </a:p>
-          <a:p>
-            <a:r>
-              <a:rPr lang="cs-CZ" sz="2000" dirty="0"/>
-              <a:t>Rozhodovací tabulkou</a:t>
+              <a:rPr lang="cs-CZ" dirty="0"/>
+              <a:t>Vstupní a výstupní hodnoty</a:t>
+            </a:r>
+          </a:p>
+          <a:p>
+            <a:r>
+              <a:rPr lang="cs-CZ" sz="2400" dirty="0"/>
+              <a:t>Složen ze sekvencí kroků (příkazů)</a:t>
+            </a:r>
+          </a:p>
+          <a:p>
+            <a:r>
+              <a:rPr lang="cs-CZ" sz="2400" dirty="0"/>
+              <a:t>Vyžaduje se jednoznačnost a srozumitelnost</a:t>
+            </a:r>
+          </a:p>
+          <a:p>
+            <a:r>
+              <a:rPr lang="cs-CZ" sz="2400" dirty="0"/>
+              <a:t>Popis počátečního stavu</a:t>
+            </a:r>
+          </a:p>
+          <a:p>
+            <a:endParaRPr lang="cs-CZ" sz="2400" dirty="0"/>
+          </a:p>
+          <a:p>
+            <a:r>
+              <a:rPr lang="cs-CZ" sz="2400" dirty="0"/>
+              <a:t>Může obsahovat větvení na základě podmínky, cykly, podprogramy</a:t>
+            </a:r>
+          </a:p>
+          <a:p>
+            <a:r>
+              <a:rPr lang="cs-CZ" sz="2400" dirty="0"/>
+              <a:t>Lze jej reprezentovat několika způsoby</a:t>
+            </a:r>
+          </a:p>
+          <a:p>
+            <a:endParaRPr lang="cs-CZ" sz="2400" dirty="0"/>
+          </a:p>
+          <a:p>
+            <a:endParaRPr lang="cs-CZ" sz="2400" dirty="0"/>
+          </a:p>
+        </p:txBody>
+      </p:sp>
+      <p:sp>
+        <p:nvSpPr>
+          <p:cNvPr id="6" name="Zástupný symbol pro číslo snímku 5">
+            <a:extLst>
+              <a:ext uri="{FF2B5EF4-FFF2-40B4-BE49-F238E27FC236}">
+                <a16:creationId xmlns:a16="http://schemas.microsoft.com/office/drawing/2014/main" id="{9F569656-7981-839A-857F-38963569BD9B}"/>
+              </a:ext>
+            </a:extLst>
+          </p:cNvPr>
+          <p:cNvSpPr>
+            <a:spLocks noGrp="1"/>
+          </p:cNvSpPr>
+          <p:nvPr>
+            <p:ph type="sldNum" sz="quarter" idx="12"/>
+          </p:nvPr>
+        </p:nvSpPr>
+        <p:spPr/>
+        <p:txBody>
+          <a:bodyPr/>
+          <a:lstStyle/>
+          <a:p>
+            <a:pPr rtl="0"/>
+            <a:fld id="{34B7E4EF-A1BD-40F4-AB7B-04F084DD991D}" type="slidenum">
+              <a:rPr lang="en-US" smtClean="0"/>
+              <a:t>3</a:t>
+            </a:fld>
+            <a:endParaRPr lang="en-US"/>
+          </a:p>
+        </p:txBody>
+      </p:sp>
+    </p:spTree>
+    <p:extLst>
+      <p:ext uri="{BB962C8B-B14F-4D97-AF65-F5344CB8AC3E}">
+        <p14:creationId xmlns:p14="http://schemas.microsoft.com/office/powerpoint/2010/main" val="2073617481"/>
+      </p:ext>
+    </p:extLst>
+  </p:cSld>
+  <p:clrMapOvr>
+    <a:masterClrMapping/>
+  </p:clrMapOvr>
+</p:sld>
+</file>
+
+<file path=ppt/slides/slide4.xml><?xml version="1.0" encoding="utf-8"?>
+<p:sld xmlns:a="http://schemas.openxmlformats.org/drawingml/2006/main" xmlns:r="http://schemas.openxmlformats.org/officeDocument/2006/relationships" xmlns:p="http://schemas.openxmlformats.org/presentationml/2006/main">
+  <p:cSld>
+    <p:bg>
+      <p:bgPr>
+        <a:solidFill>
+          <a:schemeClr val="bg1"/>
+        </a:solidFill>
+        <a:effectLst/>
+      </p:bgPr>
+    </p:bg>
+    <p:spTree>
+      <p:nvGrpSpPr>
+        <p:cNvPr id="1" name=""/>
+        <p:cNvGrpSpPr/>
+        <p:nvPr/>
+      </p:nvGrpSpPr>
+      <p:grpSpPr>
+        <a:xfrm>
+          <a:off x="0" y="0"/>
+          <a:ext cx="0" cy="0"/>
+          <a:chOff x="0" y="0"/>
+          <a:chExt cx="0" cy="0"/>
+        </a:xfrm>
+      </p:grpSpPr>
+      <p:sp useBgFill="1">
+        <p:nvSpPr>
+          <p:cNvPr id="9" name="Rectangle 8">
+            <a:extLst>
+              <a:ext uri="{FF2B5EF4-FFF2-40B4-BE49-F238E27FC236}">
+                <a16:creationId xmlns:a16="http://schemas.microsoft.com/office/drawing/2014/main" id="{DBF61EA3-B236-439E-9C0B-340980D56BEE}"/>
+              </a:ext>
+              <a:ext uri="{C183D7F6-B498-43B3-948B-1728B52AA6E4}">
+                <adec:decorative xmlns:adec="http://schemas.microsoft.com/office/drawing/2017/decorative" val="1"/>
+              </a:ext>
+            </a:extLst>
+          </p:cNvPr>
+          <p:cNvSpPr>
+            <a:spLocks noGrp="1" noRot="1" noChangeAspect="1" noMove="1" noResize="1" noEditPoints="1" noAdjustHandles="1" noChangeArrowheads="1" noChangeShapeType="1" noTextEdit="1"/>
+          </p:cNvSpPr>
+          <p:nvPr>
+            <p:extLst>
+              <p:ext uri="{386F3935-93C4-4BCD-93E2-E3B085C9AB24}">
+                <p16:designElem xmlns:p16="http://schemas.microsoft.com/office/powerpoint/2015/main" val="1"/>
+              </p:ext>
+            </p:extLst>
+          </p:nvPr>
+        </p:nvSpPr>
+        <p:spPr>
+          <a:xfrm>
+            <a:off x="0" y="0"/>
+            <a:ext cx="12191999" cy="6857365"/>
+          </a:xfrm>
+          <a:prstGeom prst="rect">
+            <a:avLst/>
+          </a:prstGeom>
+          <a:ln>
+            <a:noFill/>
+          </a:ln>
+        </p:spPr>
+        <p:style>
+          <a:lnRef idx="2">
+            <a:schemeClr val="accent1">
+              <a:shade val="50000"/>
+            </a:schemeClr>
+          </a:lnRef>
+          <a:fillRef idx="1">
+            <a:schemeClr val="accent1"/>
+          </a:fillRef>
+          <a:effectRef idx="0">
+            <a:schemeClr val="accent1"/>
+          </a:effectRef>
+          <a:fontRef idx="minor">
+            <a:schemeClr val="lt1"/>
+          </a:fontRef>
+        </p:style>
+        <p:txBody>
+          <a:bodyPr rtlCol="0" anchor="ctr"/>
+          <a:lstStyle/>
+          <a:p>
+            <a:pPr algn="ctr"/>
+            <a:endParaRPr lang="en-US"/>
+          </a:p>
+        </p:txBody>
+      </p:sp>
+      <p:sp>
+        <p:nvSpPr>
+          <p:cNvPr id="2" name="Nadpis 1"/>
+          <p:cNvSpPr>
+            <a:spLocks noGrp="1"/>
+          </p:cNvSpPr>
+          <p:nvPr>
+            <p:ph type="title"/>
+          </p:nvPr>
+        </p:nvSpPr>
+        <p:spPr>
+          <a:xfrm>
+            <a:off x="808638" y="386930"/>
+            <a:ext cx="9236700" cy="1188950"/>
+          </a:xfrm>
+        </p:spPr>
+        <p:txBody>
+          <a:bodyPr anchor="b">
+            <a:normAutofit/>
+          </a:bodyPr>
+          <a:lstStyle/>
+          <a:p>
+            <a:r>
+              <a:rPr lang="cs-CZ" sz="5400" dirty="0"/>
+              <a:t>Vlastnosti algoritmu</a:t>
+            </a:r>
+          </a:p>
+        </p:txBody>
+      </p:sp>
+      <p:grpSp>
+        <p:nvGrpSpPr>
+          <p:cNvPr id="11" name="Group 10">
+            <a:extLst>
+              <a:ext uri="{FF2B5EF4-FFF2-40B4-BE49-F238E27FC236}">
+                <a16:creationId xmlns:a16="http://schemas.microsoft.com/office/drawing/2014/main" id="{28FAF094-D087-493F-8DF9-A486C2D6BBAA}"/>
+              </a:ext>
+              <a:ext uri="{C183D7F6-B498-43B3-948B-1728B52AA6E4}">
+                <adec:decorative xmlns:adec="http://schemas.microsoft.com/office/drawing/2017/decorative" val="1"/>
+              </a:ext>
+            </a:extLst>
+          </p:cNvPr>
+          <p:cNvGrpSpPr>
+            <a:grpSpLocks noGrp="1" noUngrp="1" noRot="1" noChangeAspect="1" noMove="1" noResize="1"/>
+          </p:cNvGrpSpPr>
+          <p:nvPr>
+            <p:extLst>
+              <p:ext uri="{386F3935-93C4-4BCD-93E2-E3B085C9AB24}">
+                <p16:designElem xmlns:p16="http://schemas.microsoft.com/office/powerpoint/2015/main" val="1"/>
+              </p:ext>
+            </p:extLst>
+          </p:nvPr>
+        </p:nvGrpSpPr>
+        <p:grpSpPr>
+          <a:xfrm>
+            <a:off x="-2" y="1998368"/>
+            <a:ext cx="11695083" cy="782176"/>
+            <a:chOff x="-2" y="1998368"/>
+            <a:chExt cx="11695083" cy="782176"/>
+          </a:xfrm>
+        </p:grpSpPr>
+        <p:sp>
+          <p:nvSpPr>
+            <p:cNvPr id="12" name="Rectangle 11">
+              <a:extLst>
+                <a:ext uri="{FF2B5EF4-FFF2-40B4-BE49-F238E27FC236}">
+                  <a16:creationId xmlns:a16="http://schemas.microsoft.com/office/drawing/2014/main" id="{8D7C88D8-5509-4514-925A-9CE148E5CBD6}"/>
+                </a:ext>
+                <a:ext uri="{C183D7F6-B498-43B3-948B-1728B52AA6E4}">
+                  <adec:decorative xmlns:adec="http://schemas.microsoft.com/office/drawing/2017/decorative" val="1"/>
+                </a:ext>
+              </a:extLst>
+            </p:cNvPr>
+            <p:cNvSpPr/>
+            <p:nvPr>
+              <p:extLst>
+                <p:ext uri="{386F3935-93C4-4BCD-93E2-E3B085C9AB24}">
+                  <p16:designElem xmlns:p16="http://schemas.microsoft.com/office/powerpoint/2015/main" val="1"/>
+                </p:ext>
+              </p:extLst>
+            </p:nvPr>
+          </p:nvSpPr>
+          <p:spPr>
+            <a:xfrm rot="5400000">
+              <a:off x="11228040" y="2313027"/>
+              <a:ext cx="781700" cy="152382"/>
+            </a:xfrm>
+            <a:prstGeom prst="rect">
+              <a:avLst/>
+            </a:prstGeom>
+            <a:solidFill>
+              <a:schemeClr val="accent4"/>
+            </a:solidFill>
+            <a:ln>
+              <a:noFill/>
+            </a:ln>
+          </p:spPr>
+          <p:style>
+            <a:lnRef idx="2">
+              <a:schemeClr val="accent1">
+                <a:shade val="50000"/>
+              </a:schemeClr>
+            </a:lnRef>
+            <a:fillRef idx="1">
+              <a:schemeClr val="accent1"/>
+            </a:fillRef>
+            <a:effectRef idx="0">
+              <a:schemeClr val="accent1"/>
+            </a:effectRef>
+            <a:fontRef idx="minor">
+              <a:schemeClr val="lt1"/>
+            </a:fontRef>
+          </p:style>
+          <p:txBody>
+            <a:bodyPr rtlCol="0" anchor="ctr"/>
+            <a:lstStyle/>
+            <a:p>
+              <a:pPr algn="ctr"/>
+              <a:endParaRPr lang="en-US"/>
+            </a:p>
+          </p:txBody>
+        </p:sp>
+        <p:sp>
+          <p:nvSpPr>
+            <p:cNvPr id="13" name="Rectangle 12">
+              <a:extLst>
+                <a:ext uri="{FF2B5EF4-FFF2-40B4-BE49-F238E27FC236}">
+                  <a16:creationId xmlns:a16="http://schemas.microsoft.com/office/drawing/2014/main" id="{7275593D-F75E-4426-AE3E-2CDEFD228D25}"/>
+                </a:ext>
+                <a:ext uri="{C183D7F6-B498-43B3-948B-1728B52AA6E4}">
+                  <adec:decorative xmlns:adec="http://schemas.microsoft.com/office/drawing/2017/decorative" val="1"/>
+                </a:ext>
+              </a:extLst>
+            </p:cNvPr>
+            <p:cNvSpPr/>
+            <p:nvPr>
+              <p:extLst>
+                <p:ext uri="{386F3935-93C4-4BCD-93E2-E3B085C9AB24}">
+                  <p16:designElem xmlns:p16="http://schemas.microsoft.com/office/powerpoint/2015/main" val="1"/>
+                </p:ext>
+              </p:extLst>
+            </p:nvPr>
+          </p:nvSpPr>
+          <p:spPr>
+            <a:xfrm flipH="1" flipV="1">
+              <a:off x="-2" y="1998845"/>
+              <a:ext cx="11454595" cy="781699"/>
+            </a:xfrm>
+            <a:prstGeom prst="rect">
+              <a:avLst/>
+            </a:prstGeom>
+            <a:solidFill>
+              <a:schemeClr val="accent4"/>
+            </a:solidFill>
+            <a:ln>
+              <a:noFill/>
+            </a:ln>
+          </p:spPr>
+          <p:style>
+            <a:lnRef idx="2">
+              <a:schemeClr val="accent1">
+                <a:shade val="50000"/>
+              </a:schemeClr>
+            </a:lnRef>
+            <a:fillRef idx="1">
+              <a:schemeClr val="accent1"/>
+            </a:fillRef>
+            <a:effectRef idx="0">
+              <a:schemeClr val="accent1"/>
+            </a:effectRef>
+            <a:fontRef idx="minor">
+              <a:schemeClr val="lt1"/>
+            </a:fontRef>
+          </p:style>
+          <p:txBody>
+            <a:bodyPr rtlCol="0" anchor="ctr"/>
+            <a:lstStyle/>
+            <a:p>
+              <a:pPr algn="ctr"/>
+              <a:endParaRPr lang="en-US"/>
+            </a:p>
+          </p:txBody>
+        </p:sp>
+      </p:grpSp>
+      <p:sp>
+        <p:nvSpPr>
+          <p:cNvPr id="15" name="Rectangle 14">
+            <a:extLst>
+              <a:ext uri="{FF2B5EF4-FFF2-40B4-BE49-F238E27FC236}">
+                <a16:creationId xmlns:a16="http://schemas.microsoft.com/office/drawing/2014/main" id="{E659831F-0D9A-4C63-9EBB-8435B85A440F}"/>
+              </a:ext>
+              <a:ext uri="{C183D7F6-B498-43B3-948B-1728B52AA6E4}">
+                <adec:decorative xmlns:adec="http://schemas.microsoft.com/office/drawing/2017/decorative" val="1"/>
+              </a:ext>
+            </a:extLst>
+          </p:cNvPr>
+          <p:cNvSpPr>
+            <a:spLocks noGrp="1" noRot="1" noChangeAspect="1" noMove="1" noResize="1" noEditPoints="1" noAdjustHandles="1" noChangeArrowheads="1" noChangeShapeType="1" noTextEdit="1"/>
+          </p:cNvSpPr>
+          <p:nvPr>
+            <p:extLst>
+              <p:ext uri="{386F3935-93C4-4BCD-93E2-E3B085C9AB24}">
+                <p16:designElem xmlns:p16="http://schemas.microsoft.com/office/powerpoint/2015/main" val="1"/>
+              </p:ext>
+            </p:extLst>
+          </p:nvPr>
+        </p:nvSpPr>
+        <p:spPr>
+          <a:xfrm>
+            <a:off x="0" y="2203079"/>
+            <a:ext cx="11383362" cy="4147845"/>
+          </a:xfrm>
+          <a:prstGeom prst="rect">
+            <a:avLst/>
+          </a:prstGeom>
+          <a:solidFill>
+            <a:schemeClr val="bg1"/>
+          </a:solidFill>
+          <a:ln>
+            <a:noFill/>
+          </a:ln>
+          <a:effectLst>
+            <a:outerShdw blurRad="139700" dist="127000" dir="5400000" algn="t" rotWithShape="0">
+              <a:prstClr val="black">
+                <a:alpha val="15000"/>
+              </a:prstClr>
+            </a:outerShdw>
+          </a:effectLst>
+        </p:spPr>
+        <p:style>
+          <a:lnRef idx="2">
+            <a:schemeClr val="accent1">
+              <a:shade val="50000"/>
+            </a:schemeClr>
+          </a:lnRef>
+          <a:fillRef idx="1">
+            <a:schemeClr val="accent1"/>
+          </a:fillRef>
+          <a:effectRef idx="0">
+            <a:schemeClr val="accent1"/>
+          </a:effectRef>
+          <a:fontRef idx="minor">
+            <a:schemeClr val="lt1"/>
+          </a:fontRef>
+        </p:style>
+        <p:txBody>
+          <a:bodyPr rtlCol="0" anchor="ctr"/>
+          <a:lstStyle/>
+          <a:p>
+            <a:pPr algn="ctr"/>
+            <a:endParaRPr lang="en-US"/>
+          </a:p>
+        </p:txBody>
+      </p:sp>
+      <p:sp>
+        <p:nvSpPr>
+          <p:cNvPr id="3" name="Zástupný symbol pro obsah 2"/>
+          <p:cNvSpPr>
+            <a:spLocks noGrp="1"/>
+          </p:cNvSpPr>
+          <p:nvPr>
+            <p:ph idx="1"/>
+          </p:nvPr>
+        </p:nvSpPr>
+        <p:spPr>
+          <a:xfrm>
+            <a:off x="793660" y="2599509"/>
+            <a:ext cx="10143668" cy="3435531"/>
+          </a:xfrm>
+        </p:spPr>
+        <p:txBody>
+          <a:bodyPr anchor="ctr">
+            <a:normAutofit fontScale="92500" lnSpcReduction="20000"/>
+          </a:bodyPr>
+          <a:lstStyle/>
+          <a:p>
+            <a:r>
+              <a:rPr lang="cs-CZ" b="1" dirty="0"/>
+              <a:t>Hromadnost</a:t>
             </a:r>
           </a:p>
           <a:p>
             <a:pPr lvl="1"/>
             <a:r>
-              <a:rPr lang="cs-CZ" sz="1600" dirty="0"/>
-              <a:t>Jízdní řády</a:t>
-            </a:r>
-          </a:p>
-          <a:p>
-            <a:r>
-              <a:rPr lang="cs-CZ" sz="2000" dirty="0"/>
-              <a:t>Graficky</a:t>
+              <a:rPr lang="cs-CZ" dirty="0"/>
+              <a:t>Řešení celé, přesně vymezené třídy konkrétních problémů, které se liší jen vstupními hodnotami</a:t>
+            </a:r>
+          </a:p>
+          <a:p>
+            <a:r>
+              <a:rPr lang="cs-CZ" b="1" dirty="0"/>
+              <a:t>Determinovanost</a:t>
             </a:r>
           </a:p>
           <a:p>
             <a:pPr lvl="1"/>
             <a:r>
-              <a:rPr lang="cs-CZ" sz="2000" dirty="0"/>
-              <a:t>Vývojový diagram, strukturogram</a:t>
-            </a:r>
-          </a:p>
-          <a:p>
-            <a:r>
-              <a:rPr lang="cs-CZ" sz="2000" dirty="0"/>
-              <a:t>Matematicky</a:t>
+              <a:rPr lang="cs-CZ" dirty="0"/>
+              <a:t>Každý příkaz je vykonán v určený okamžik a je jednoznačně definovaný</a:t>
             </a:r>
           </a:p>
           <a:p>
             <a:pPr lvl="1"/>
             <a:r>
-              <a:rPr lang="cs-CZ" sz="1600" dirty="0"/>
-              <a:t>Soustava rovnic, vyjádření veličiny</a:t>
-            </a:r>
-          </a:p>
-          <a:p>
-            <a:r>
-              <a:rPr lang="cs-CZ" sz="2000" dirty="0"/>
-              <a:t>Objektovou analýzou</a:t>
+              <a:rPr lang="cs-CZ" dirty="0"/>
+              <a:t>Zaručení, že pro stejné vstupy dostaneme vždy stejný výsledek</a:t>
+            </a:r>
+          </a:p>
+          <a:p>
+            <a:r>
+              <a:rPr lang="cs-CZ" b="1" dirty="0"/>
+              <a:t>Konečnost</a:t>
             </a:r>
           </a:p>
           <a:p>
             <a:pPr lvl="1"/>
             <a:r>
-              <a:rPr lang="cs-CZ" sz="1600" dirty="0"/>
-              <a:t>UML diagram</a:t>
-            </a:r>
-          </a:p>
-          <a:p>
-            <a:r>
-              <a:rPr lang="cs-CZ" sz="2000" dirty="0"/>
-              <a:t>Pseudokódem</a:t>
+              <a:rPr lang="cs-CZ" dirty="0"/>
+              <a:t>Provedení algoritmu končí po konečném počtu kroků</a:t>
+            </a:r>
+          </a:p>
+          <a:p>
+            <a:r>
+              <a:rPr lang="cs-CZ" b="1" dirty="0"/>
+              <a:t>Rezultativnost</a:t>
             </a:r>
           </a:p>
           <a:p>
             <a:pPr lvl="1"/>
             <a:r>
-              <a:rPr lang="cs-CZ" sz="2000" dirty="0"/>
-              <a:t>Přirozený jazyk doplněný o klíčová slova z programování</a:t>
-            </a:r>
-          </a:p>
-          <a:p>
-            <a:r>
-              <a:rPr lang="cs-CZ" sz="2000" dirty="0"/>
-              <a:t>Implementací programu</a:t>
-            </a:r>
-          </a:p>
-          <a:p>
-            <a:endParaRPr lang="cs-CZ" sz="2000" dirty="0"/>
+              <a:rPr lang="cs-CZ" dirty="0"/>
+              <a:t>Získání požadovaného výsledku</a:t>
+            </a:r>
+          </a:p>
+          <a:p>
+            <a:endParaRPr lang="cs-CZ" sz="2400" dirty="0"/>
+          </a:p>
+          <a:p>
+            <a:endParaRPr lang="cs-CZ" sz="2400" dirty="0"/>
           </a:p>
         </p:txBody>
       </p:sp>
@@ -10089,7 +10518,7 @@
           <p:cNvPr id="6" name="Zástupný symbol pro číslo snímku 5">
             <a:extLst>
               <a:ext uri="{FF2B5EF4-FFF2-40B4-BE49-F238E27FC236}">
-                <a16:creationId xmlns:a16="http://schemas.microsoft.com/office/drawing/2014/main" id="{80935508-63C7-ABB1-45FB-8AF4D9715F46}"/>
+                <a16:creationId xmlns:a16="http://schemas.microsoft.com/office/drawing/2014/main" id="{9F569656-7981-839A-857F-38963569BD9B}"/>
               </a:ext>
             </a:extLst>
           </p:cNvPr>
@@ -10109,6 +10538,509 @@
             <a:fld id="{34B7E4EF-A1BD-40F4-AB7B-04F084DD991D}" type="slidenum">
               <a:rPr lang="en-US" smtClean="0"/>
               <a:t>4</a:t>
+            </a:fld>
+            <a:endParaRPr lang="en-US"/>
+          </a:p>
+        </p:txBody>
+      </p:sp>
+    </p:spTree>
+    <p:extLst>
+      <p:ext uri="{BB962C8B-B14F-4D97-AF65-F5344CB8AC3E}">
+        <p14:creationId xmlns:p14="http://schemas.microsoft.com/office/powerpoint/2010/main" val="1921864594"/>
+      </p:ext>
+    </p:extLst>
+  </p:cSld>
+  <p:clrMapOvr>
+    <a:masterClrMapping/>
+  </p:clrMapOvr>
+</p:sld>
+</file>
+
+<file path=ppt/slides/slide5.xml><?xml version="1.0" encoding="utf-8"?>
+<p:sld xmlns:a="http://schemas.openxmlformats.org/drawingml/2006/main" xmlns:r="http://schemas.openxmlformats.org/officeDocument/2006/relationships" xmlns:p="http://schemas.openxmlformats.org/presentationml/2006/main">
+  <p:cSld>
+    <p:bg>
+      <p:bgPr>
+        <a:solidFill>
+          <a:schemeClr val="bg1"/>
+        </a:solidFill>
+        <a:effectLst/>
+      </p:bgPr>
+    </p:bg>
+    <p:spTree>
+      <p:nvGrpSpPr>
+        <p:cNvPr id="1" name=""/>
+        <p:cNvGrpSpPr/>
+        <p:nvPr/>
+      </p:nvGrpSpPr>
+      <p:grpSpPr>
+        <a:xfrm>
+          <a:off x="0" y="0"/>
+          <a:ext cx="0" cy="0"/>
+          <a:chOff x="0" y="0"/>
+          <a:chExt cx="0" cy="0"/>
+        </a:xfrm>
+      </p:grpSpPr>
+      <p:sp useBgFill="1">
+        <p:nvSpPr>
+          <p:cNvPr id="9" name="Rectangle 8">
+            <a:extLst>
+              <a:ext uri="{FF2B5EF4-FFF2-40B4-BE49-F238E27FC236}">
+                <a16:creationId xmlns:a16="http://schemas.microsoft.com/office/drawing/2014/main" id="{DBF61EA3-B236-439E-9C0B-340980D56BEE}"/>
+              </a:ext>
+              <a:ext uri="{C183D7F6-B498-43B3-948B-1728B52AA6E4}">
+                <adec:decorative xmlns:adec="http://schemas.microsoft.com/office/drawing/2017/decorative" val="1"/>
+              </a:ext>
+            </a:extLst>
+          </p:cNvPr>
+          <p:cNvSpPr>
+            <a:spLocks noGrp="1" noRot="1" noChangeAspect="1" noMove="1" noResize="1" noEditPoints="1" noAdjustHandles="1" noChangeArrowheads="1" noChangeShapeType="1" noTextEdit="1"/>
+          </p:cNvSpPr>
+          <p:nvPr>
+            <p:extLst>
+              <p:ext uri="{386F3935-93C4-4BCD-93E2-E3B085C9AB24}">
+                <p16:designElem xmlns:p16="http://schemas.microsoft.com/office/powerpoint/2015/main" val="1"/>
+              </p:ext>
+            </p:extLst>
+          </p:nvPr>
+        </p:nvSpPr>
+        <p:spPr>
+          <a:xfrm>
+            <a:off x="0" y="0"/>
+            <a:ext cx="12191999" cy="6857365"/>
+          </a:xfrm>
+          <a:prstGeom prst="rect">
+            <a:avLst/>
+          </a:prstGeom>
+          <a:ln>
+            <a:noFill/>
+          </a:ln>
+        </p:spPr>
+        <p:style>
+          <a:lnRef idx="2">
+            <a:schemeClr val="accent1">
+              <a:shade val="50000"/>
+            </a:schemeClr>
+          </a:lnRef>
+          <a:fillRef idx="1">
+            <a:schemeClr val="accent1"/>
+          </a:fillRef>
+          <a:effectRef idx="0">
+            <a:schemeClr val="accent1"/>
+          </a:effectRef>
+          <a:fontRef idx="minor">
+            <a:schemeClr val="lt1"/>
+          </a:fontRef>
+        </p:style>
+        <p:txBody>
+          <a:bodyPr rtlCol="0" anchor="ctr"/>
+          <a:lstStyle/>
+          <a:p>
+            <a:pPr algn="ctr"/>
+            <a:endParaRPr lang="en-US"/>
+          </a:p>
+        </p:txBody>
+      </p:sp>
+      <p:sp>
+        <p:nvSpPr>
+          <p:cNvPr id="2" name="Nadpis 1">
+            <a:extLst>
+              <a:ext uri="{FF2B5EF4-FFF2-40B4-BE49-F238E27FC236}">
+                <a16:creationId xmlns:a16="http://schemas.microsoft.com/office/drawing/2014/main" id="{62B2E8D4-B9B8-7257-A3F4-C9FDD02C1551}"/>
+              </a:ext>
+            </a:extLst>
+          </p:cNvPr>
+          <p:cNvSpPr>
+            <a:spLocks noGrp="1"/>
+          </p:cNvSpPr>
+          <p:nvPr>
+            <p:ph type="title"/>
+          </p:nvPr>
+        </p:nvSpPr>
+        <p:spPr>
+          <a:xfrm>
+            <a:off x="808638" y="386930"/>
+            <a:ext cx="9236700" cy="1188950"/>
+          </a:xfrm>
+        </p:spPr>
+        <p:txBody>
+          <a:bodyPr anchor="b">
+            <a:normAutofit/>
+          </a:bodyPr>
+          <a:lstStyle/>
+          <a:p>
+            <a:r>
+              <a:rPr lang="cs-CZ" sz="5400"/>
+              <a:t>Reprezentace algoritmu</a:t>
+            </a:r>
+          </a:p>
+        </p:txBody>
+      </p:sp>
+      <p:grpSp>
+        <p:nvGrpSpPr>
+          <p:cNvPr id="11" name="Group 10">
+            <a:extLst>
+              <a:ext uri="{FF2B5EF4-FFF2-40B4-BE49-F238E27FC236}">
+                <a16:creationId xmlns:a16="http://schemas.microsoft.com/office/drawing/2014/main" id="{28FAF094-D087-493F-8DF9-A486C2D6BBAA}"/>
+              </a:ext>
+              <a:ext uri="{C183D7F6-B498-43B3-948B-1728B52AA6E4}">
+                <adec:decorative xmlns:adec="http://schemas.microsoft.com/office/drawing/2017/decorative" val="1"/>
+              </a:ext>
+            </a:extLst>
+          </p:cNvPr>
+          <p:cNvGrpSpPr>
+            <a:grpSpLocks noGrp="1" noUngrp="1" noRot="1" noChangeAspect="1" noMove="1" noResize="1"/>
+          </p:cNvGrpSpPr>
+          <p:nvPr>
+            <p:extLst>
+              <p:ext uri="{386F3935-93C4-4BCD-93E2-E3B085C9AB24}">
+                <p16:designElem xmlns:p16="http://schemas.microsoft.com/office/powerpoint/2015/main" val="1"/>
+              </p:ext>
+            </p:extLst>
+          </p:nvPr>
+        </p:nvGrpSpPr>
+        <p:grpSpPr>
+          <a:xfrm>
+            <a:off x="-2" y="1998368"/>
+            <a:ext cx="11695083" cy="782176"/>
+            <a:chOff x="-2" y="1998368"/>
+            <a:chExt cx="11695083" cy="782176"/>
+          </a:xfrm>
+        </p:grpSpPr>
+        <p:sp>
+          <p:nvSpPr>
+            <p:cNvPr id="12" name="Rectangle 11">
+              <a:extLst>
+                <a:ext uri="{FF2B5EF4-FFF2-40B4-BE49-F238E27FC236}">
+                  <a16:creationId xmlns:a16="http://schemas.microsoft.com/office/drawing/2014/main" id="{8D7C88D8-5509-4514-925A-9CE148E5CBD6}"/>
+                </a:ext>
+                <a:ext uri="{C183D7F6-B498-43B3-948B-1728B52AA6E4}">
+                  <adec:decorative xmlns:adec="http://schemas.microsoft.com/office/drawing/2017/decorative" val="1"/>
+                </a:ext>
+              </a:extLst>
+            </p:cNvPr>
+            <p:cNvSpPr/>
+            <p:nvPr>
+              <p:extLst>
+                <p:ext uri="{386F3935-93C4-4BCD-93E2-E3B085C9AB24}">
+                  <p16:designElem xmlns:p16="http://schemas.microsoft.com/office/powerpoint/2015/main" val="1"/>
+                </p:ext>
+              </p:extLst>
+            </p:nvPr>
+          </p:nvSpPr>
+          <p:spPr>
+            <a:xfrm rot="5400000">
+              <a:off x="11228040" y="2313027"/>
+              <a:ext cx="781700" cy="152382"/>
+            </a:xfrm>
+            <a:prstGeom prst="rect">
+              <a:avLst/>
+            </a:prstGeom>
+            <a:solidFill>
+              <a:schemeClr val="accent4"/>
+            </a:solidFill>
+            <a:ln>
+              <a:noFill/>
+            </a:ln>
+          </p:spPr>
+          <p:style>
+            <a:lnRef idx="2">
+              <a:schemeClr val="accent1">
+                <a:shade val="50000"/>
+              </a:schemeClr>
+            </a:lnRef>
+            <a:fillRef idx="1">
+              <a:schemeClr val="accent1"/>
+            </a:fillRef>
+            <a:effectRef idx="0">
+              <a:schemeClr val="accent1"/>
+            </a:effectRef>
+            <a:fontRef idx="minor">
+              <a:schemeClr val="lt1"/>
+            </a:fontRef>
+          </p:style>
+          <p:txBody>
+            <a:bodyPr rtlCol="0" anchor="ctr"/>
+            <a:lstStyle/>
+            <a:p>
+              <a:pPr algn="ctr"/>
+              <a:endParaRPr lang="en-US"/>
+            </a:p>
+          </p:txBody>
+        </p:sp>
+        <p:sp>
+          <p:nvSpPr>
+            <p:cNvPr id="13" name="Rectangle 12">
+              <a:extLst>
+                <a:ext uri="{FF2B5EF4-FFF2-40B4-BE49-F238E27FC236}">
+                  <a16:creationId xmlns:a16="http://schemas.microsoft.com/office/drawing/2014/main" id="{7275593D-F75E-4426-AE3E-2CDEFD228D25}"/>
+                </a:ext>
+                <a:ext uri="{C183D7F6-B498-43B3-948B-1728B52AA6E4}">
+                  <adec:decorative xmlns:adec="http://schemas.microsoft.com/office/drawing/2017/decorative" val="1"/>
+                </a:ext>
+              </a:extLst>
+            </p:cNvPr>
+            <p:cNvSpPr/>
+            <p:nvPr>
+              <p:extLst>
+                <p:ext uri="{386F3935-93C4-4BCD-93E2-E3B085C9AB24}">
+                  <p16:designElem xmlns:p16="http://schemas.microsoft.com/office/powerpoint/2015/main" val="1"/>
+                </p:ext>
+              </p:extLst>
+            </p:nvPr>
+          </p:nvSpPr>
+          <p:spPr>
+            <a:xfrm flipH="1" flipV="1">
+              <a:off x="-2" y="1998845"/>
+              <a:ext cx="11454595" cy="781699"/>
+            </a:xfrm>
+            <a:prstGeom prst="rect">
+              <a:avLst/>
+            </a:prstGeom>
+            <a:solidFill>
+              <a:schemeClr val="accent4"/>
+            </a:solidFill>
+            <a:ln>
+              <a:noFill/>
+            </a:ln>
+          </p:spPr>
+          <p:style>
+            <a:lnRef idx="2">
+              <a:schemeClr val="accent1">
+                <a:shade val="50000"/>
+              </a:schemeClr>
+            </a:lnRef>
+            <a:fillRef idx="1">
+              <a:schemeClr val="accent1"/>
+            </a:fillRef>
+            <a:effectRef idx="0">
+              <a:schemeClr val="accent1"/>
+            </a:effectRef>
+            <a:fontRef idx="minor">
+              <a:schemeClr val="lt1"/>
+            </a:fontRef>
+          </p:style>
+          <p:txBody>
+            <a:bodyPr rtlCol="0" anchor="ctr"/>
+            <a:lstStyle/>
+            <a:p>
+              <a:pPr algn="ctr"/>
+              <a:endParaRPr lang="en-US"/>
+            </a:p>
+          </p:txBody>
+        </p:sp>
+      </p:grpSp>
+      <p:sp>
+        <p:nvSpPr>
+          <p:cNvPr id="15" name="Rectangle 14">
+            <a:extLst>
+              <a:ext uri="{FF2B5EF4-FFF2-40B4-BE49-F238E27FC236}">
+                <a16:creationId xmlns:a16="http://schemas.microsoft.com/office/drawing/2014/main" id="{E659831F-0D9A-4C63-9EBB-8435B85A440F}"/>
+              </a:ext>
+              <a:ext uri="{C183D7F6-B498-43B3-948B-1728B52AA6E4}">
+                <adec:decorative xmlns:adec="http://schemas.microsoft.com/office/drawing/2017/decorative" val="1"/>
+              </a:ext>
+            </a:extLst>
+          </p:cNvPr>
+          <p:cNvSpPr>
+            <a:spLocks noGrp="1" noRot="1" noChangeAspect="1" noMove="1" noResize="1" noEditPoints="1" noAdjustHandles="1" noChangeArrowheads="1" noChangeShapeType="1" noTextEdit="1"/>
+          </p:cNvSpPr>
+          <p:nvPr>
+            <p:extLst>
+              <p:ext uri="{386F3935-93C4-4BCD-93E2-E3B085C9AB24}">
+                <p16:designElem xmlns:p16="http://schemas.microsoft.com/office/powerpoint/2015/main" val="1"/>
+              </p:ext>
+            </p:extLst>
+          </p:nvPr>
+        </p:nvSpPr>
+        <p:spPr>
+          <a:xfrm>
+            <a:off x="0" y="2203079"/>
+            <a:ext cx="11383362" cy="4147845"/>
+          </a:xfrm>
+          <a:prstGeom prst="rect">
+            <a:avLst/>
+          </a:prstGeom>
+          <a:solidFill>
+            <a:schemeClr val="bg1"/>
+          </a:solidFill>
+          <a:ln>
+            <a:noFill/>
+          </a:ln>
+          <a:effectLst>
+            <a:outerShdw blurRad="139700" dist="127000" dir="5400000" algn="t" rotWithShape="0">
+              <a:prstClr val="black">
+                <a:alpha val="15000"/>
+              </a:prstClr>
+            </a:outerShdw>
+          </a:effectLst>
+        </p:spPr>
+        <p:style>
+          <a:lnRef idx="2">
+            <a:schemeClr val="accent1">
+              <a:shade val="50000"/>
+            </a:schemeClr>
+          </a:lnRef>
+          <a:fillRef idx="1">
+            <a:schemeClr val="accent1"/>
+          </a:fillRef>
+          <a:effectRef idx="0">
+            <a:schemeClr val="accent1"/>
+          </a:effectRef>
+          <a:fontRef idx="minor">
+            <a:schemeClr val="lt1"/>
+          </a:fontRef>
+        </p:style>
+        <p:txBody>
+          <a:bodyPr rtlCol="0" anchor="ctr"/>
+          <a:lstStyle/>
+          <a:p>
+            <a:pPr algn="ctr"/>
+            <a:endParaRPr lang="en-US"/>
+          </a:p>
+        </p:txBody>
+      </p:sp>
+      <p:sp>
+        <p:nvSpPr>
+          <p:cNvPr id="3" name="Zástupný obsah 2">
+            <a:extLst>
+              <a:ext uri="{FF2B5EF4-FFF2-40B4-BE49-F238E27FC236}">
+                <a16:creationId xmlns:a16="http://schemas.microsoft.com/office/drawing/2014/main" id="{0322C96A-3A67-5237-5BE8-2D6C11E592B7}"/>
+              </a:ext>
+            </a:extLst>
+          </p:cNvPr>
+          <p:cNvSpPr>
+            <a:spLocks noGrp="1"/>
+          </p:cNvSpPr>
+          <p:nvPr>
+            <p:ph idx="1"/>
+          </p:nvPr>
+        </p:nvSpPr>
+        <p:spPr>
+          <a:xfrm>
+            <a:off x="793660" y="2599509"/>
+            <a:ext cx="10143668" cy="3435531"/>
+          </a:xfrm>
+        </p:spPr>
+        <p:txBody>
+          <a:bodyPr anchor="ctr">
+            <a:normAutofit fontScale="77500" lnSpcReduction="20000"/>
+          </a:bodyPr>
+          <a:lstStyle/>
+          <a:p>
+            <a:r>
+              <a:rPr lang="cs-CZ" sz="2000" dirty="0"/>
+              <a:t>Slovně</a:t>
+            </a:r>
+          </a:p>
+          <a:p>
+            <a:pPr lvl="1"/>
+            <a:r>
+              <a:rPr lang="cs-CZ" sz="1600" dirty="0"/>
+              <a:t>Jednotlivé kroky jsou vyjádřeny v přirozeném jazyce</a:t>
+            </a:r>
+          </a:p>
+          <a:p>
+            <a:r>
+              <a:rPr lang="cs-CZ" sz="2000" dirty="0"/>
+              <a:t>Rozhodovací tabulkou</a:t>
+            </a:r>
+          </a:p>
+          <a:p>
+            <a:pPr lvl="1"/>
+            <a:r>
+              <a:rPr lang="cs-CZ" sz="1600" dirty="0"/>
+              <a:t>Jízdní řády</a:t>
+            </a:r>
+          </a:p>
+          <a:p>
+            <a:r>
+              <a:rPr lang="cs-CZ" sz="2000" dirty="0"/>
+              <a:t>Graficky</a:t>
+            </a:r>
+          </a:p>
+          <a:p>
+            <a:pPr lvl="1"/>
+            <a:r>
+              <a:rPr lang="cs-CZ" sz="2000" dirty="0"/>
+              <a:t>Vývojový diagram, strukturogram</a:t>
+            </a:r>
+          </a:p>
+          <a:p>
+            <a:r>
+              <a:rPr lang="cs-CZ" sz="2000" dirty="0"/>
+              <a:t>Matematicky</a:t>
+            </a:r>
+          </a:p>
+          <a:p>
+            <a:pPr lvl="1"/>
+            <a:r>
+              <a:rPr lang="cs-CZ" sz="1600" dirty="0"/>
+              <a:t>Soustava rovnic, vyjádření veličiny</a:t>
+            </a:r>
+          </a:p>
+          <a:p>
+            <a:r>
+              <a:rPr lang="cs-CZ" sz="2000" dirty="0"/>
+              <a:t>Objektovou analýzou</a:t>
+            </a:r>
+          </a:p>
+          <a:p>
+            <a:pPr lvl="1"/>
+            <a:r>
+              <a:rPr lang="cs-CZ" sz="1600" dirty="0"/>
+              <a:t>UML diagram</a:t>
+            </a:r>
+          </a:p>
+          <a:p>
+            <a:r>
+              <a:rPr lang="cs-CZ" sz="2000" dirty="0"/>
+              <a:t>Pseudokódem</a:t>
+            </a:r>
+          </a:p>
+          <a:p>
+            <a:pPr lvl="1"/>
+            <a:r>
+              <a:rPr lang="cs-CZ" sz="2000" dirty="0"/>
+              <a:t>Přirozený jazyk doplněný o klíčová slova z programování</a:t>
+            </a:r>
+          </a:p>
+          <a:p>
+            <a:r>
+              <a:rPr lang="cs-CZ" sz="2000" dirty="0"/>
+              <a:t>Implementací programu</a:t>
+            </a:r>
+          </a:p>
+          <a:p>
+            <a:endParaRPr lang="cs-CZ" sz="2000" dirty="0"/>
+          </a:p>
+        </p:txBody>
+      </p:sp>
+      <p:sp>
+        <p:nvSpPr>
+          <p:cNvPr id="6" name="Zástupný symbol pro číslo snímku 5">
+            <a:extLst>
+              <a:ext uri="{FF2B5EF4-FFF2-40B4-BE49-F238E27FC236}">
+                <a16:creationId xmlns:a16="http://schemas.microsoft.com/office/drawing/2014/main" id="{80935508-63C7-ABB1-45FB-8AF4D9715F46}"/>
+              </a:ext>
+            </a:extLst>
+          </p:cNvPr>
+          <p:cNvSpPr>
+            <a:spLocks noGrp="1"/>
+          </p:cNvSpPr>
+          <p:nvPr>
+            <p:ph type="sldNum" sz="quarter" idx="12"/>
+          </p:nvPr>
+        </p:nvSpPr>
+        <p:spPr/>
+        <p:txBody>
+          <a:bodyPr/>
+          <a:lstStyle/>
+          <a:p>
+            <a:pPr rtl="0"/>
+            <a:fld id="{34B7E4EF-A1BD-40F4-AB7B-04F084DD991D}" type="slidenum">
+              <a:rPr lang="en-US" smtClean="0"/>
+              <a:t>5</a:t>
             </a:fld>
             <a:endParaRPr lang="en-US"/>
           </a:p>
@@ -10127,7 +11059,7 @@
 </p:sld>
 </file>
 
-<file path=ppt/slides/slide5.xml><?xml version="1.0" encoding="utf-8"?>
+<file path=ppt/slides/slide6.xml><?xml version="1.0" encoding="utf-8"?>
 <p:sld xmlns:a="http://schemas.openxmlformats.org/drawingml/2006/main" xmlns:r="http://schemas.openxmlformats.org/officeDocument/2006/relationships" xmlns:p="http://schemas.openxmlformats.org/presentationml/2006/main">
   <p:cSld>
     <p:bg>
@@ -10618,7 +11550,7 @@
                   <a:spcPts val="600"/>
                 </a:spcAft>
               </a:pPr>
-              <a:t>5</a:t>
+              <a:t>6</a:t>
             </a:fld>
             <a:endParaRPr lang="en-US"/>
           </a:p>
@@ -10637,7 +11569,7 @@
 </p:sld>
 </file>
 
-<file path=ppt/slides/slide6.xml><?xml version="1.0" encoding="utf-8"?>
+<file path=ppt/slides/slide7.xml><?xml version="1.0" encoding="utf-8"?>
 <p:sld xmlns:a="http://schemas.openxmlformats.org/drawingml/2006/main" xmlns:r="http://schemas.openxmlformats.org/officeDocument/2006/relationships" xmlns:p="http://schemas.openxmlformats.org/presentationml/2006/main">
   <p:cSld>
     <p:bg>
@@ -11080,7 +12012,7 @@
                   <a:spcPts val="600"/>
                 </a:spcAft>
               </a:pPr>
-              <a:t>6</a:t>
+              <a:t>7</a:t>
             </a:fld>
             <a:endParaRPr lang="en-US"/>
           </a:p>
@@ -11148,7 +12080,7 @@
 </p:sld>
 </file>
 
-<file path=ppt/slides/slide7.xml><?xml version="1.0" encoding="utf-8"?>
+<file path=ppt/slides/slide8.xml><?xml version="1.0" encoding="utf-8"?>
 <p:sld xmlns:a="http://schemas.openxmlformats.org/drawingml/2006/main" xmlns:r="http://schemas.openxmlformats.org/officeDocument/2006/relationships" xmlns:p="http://schemas.openxmlformats.org/presentationml/2006/main">
   <p:cSld>
     <p:bg>
@@ -11599,7 +12531,7 @@
                   <a:spcPts val="600"/>
                 </a:spcAft>
               </a:pPr>
-              <a:t>7</a:t>
+              <a:t>8</a:t>
             </a:fld>
             <a:endParaRPr lang="en-US"/>
           </a:p>
@@ -11618,7 +12550,7 @@
 </p:sld>
 </file>
 
-<file path=ppt/slides/slide8.xml><?xml version="1.0" encoding="utf-8"?>
+<file path=ppt/slides/slide9.xml><?xml version="1.0" encoding="utf-8"?>
 <p:sld xmlns:a="http://schemas.openxmlformats.org/drawingml/2006/main" xmlns:r="http://schemas.openxmlformats.org/officeDocument/2006/relationships" xmlns:p="http://schemas.openxmlformats.org/presentationml/2006/main">
   <p:cSld>
     <p:bg>
@@ -12099,7 +13031,7 @@
                   <a:spcPts val="600"/>
                 </a:spcAft>
               </a:pPr>
-              <a:t>8</a:t>
+              <a:t>9</a:t>
             </a:fld>
             <a:endParaRPr lang="en-US"/>
           </a:p>
@@ -12109,468 +13041,6 @@
     <p:extLst>
       <p:ext uri="{BB962C8B-B14F-4D97-AF65-F5344CB8AC3E}">
         <p14:creationId xmlns:p14="http://schemas.microsoft.com/office/powerpoint/2010/main" val="1661747001"/>
-      </p:ext>
-    </p:extLst>
-  </p:cSld>
-  <p:clrMapOvr>
-    <a:masterClrMapping/>
-  </p:clrMapOvr>
-</p:sld>
-</file>
-
-<file path=ppt/slides/slide9.xml><?xml version="1.0" encoding="utf-8"?>
-<p:sld xmlns:a="http://schemas.openxmlformats.org/drawingml/2006/main" xmlns:r="http://schemas.openxmlformats.org/officeDocument/2006/relationships" xmlns:p="http://schemas.openxmlformats.org/presentationml/2006/main">
-  <p:cSld>
-    <p:bg>
-      <p:bgPr>
-        <a:solidFill>
-          <a:schemeClr val="bg1"/>
-        </a:solidFill>
-        <a:effectLst/>
-      </p:bgPr>
-    </p:bg>
-    <p:spTree>
-      <p:nvGrpSpPr>
-        <p:cNvPr id="1" name=""/>
-        <p:cNvGrpSpPr/>
-        <p:nvPr/>
-      </p:nvGrpSpPr>
-      <p:grpSpPr>
-        <a:xfrm>
-          <a:off x="0" y="0"/>
-          <a:ext cx="0" cy="0"/>
-          <a:chOff x="0" y="0"/>
-          <a:chExt cx="0" cy="0"/>
-        </a:xfrm>
-      </p:grpSpPr>
-      <p:sp useBgFill="1">
-        <p:nvSpPr>
-          <p:cNvPr id="9" name="Rectangle 8">
-            <a:extLst>
-              <a:ext uri="{FF2B5EF4-FFF2-40B4-BE49-F238E27FC236}">
-                <a16:creationId xmlns:a16="http://schemas.microsoft.com/office/drawing/2014/main" id="{DBF61EA3-B236-439E-9C0B-340980D56BEE}"/>
-              </a:ext>
-              <a:ext uri="{C183D7F6-B498-43B3-948B-1728B52AA6E4}">
-                <adec:decorative xmlns:adec="http://schemas.microsoft.com/office/drawing/2017/decorative" val="1"/>
-              </a:ext>
-            </a:extLst>
-          </p:cNvPr>
-          <p:cNvSpPr>
-            <a:spLocks noGrp="1" noRot="1" noChangeAspect="1" noMove="1" noResize="1" noEditPoints="1" noAdjustHandles="1" noChangeArrowheads="1" noChangeShapeType="1" noTextEdit="1"/>
-          </p:cNvSpPr>
-          <p:nvPr>
-            <p:extLst>
-              <p:ext uri="{386F3935-93C4-4BCD-93E2-E3B085C9AB24}">
-                <p16:designElem xmlns:p16="http://schemas.microsoft.com/office/powerpoint/2015/main" val="1"/>
-              </p:ext>
-            </p:extLst>
-          </p:nvPr>
-        </p:nvSpPr>
-        <p:spPr>
-          <a:xfrm>
-            <a:off x="0" y="0"/>
-            <a:ext cx="12191999" cy="6857365"/>
-          </a:xfrm>
-          <a:prstGeom prst="rect">
-            <a:avLst/>
-          </a:prstGeom>
-          <a:ln>
-            <a:noFill/>
-          </a:ln>
-        </p:spPr>
-        <p:style>
-          <a:lnRef idx="2">
-            <a:schemeClr val="accent1">
-              <a:shade val="50000"/>
-            </a:schemeClr>
-          </a:lnRef>
-          <a:fillRef idx="1">
-            <a:schemeClr val="accent1"/>
-          </a:fillRef>
-          <a:effectRef idx="0">
-            <a:schemeClr val="accent1"/>
-          </a:effectRef>
-          <a:fontRef idx="minor">
-            <a:schemeClr val="lt1"/>
-          </a:fontRef>
-        </p:style>
-        <p:txBody>
-          <a:bodyPr rtlCol="0" anchor="ctr"/>
-          <a:lstStyle/>
-          <a:p>
-            <a:pPr algn="ctr"/>
-            <a:endParaRPr lang="en-US"/>
-          </a:p>
-        </p:txBody>
-      </p:sp>
-      <p:sp>
-        <p:nvSpPr>
-          <p:cNvPr id="2" name="Nadpis 1">
-            <a:extLst>
-              <a:ext uri="{FF2B5EF4-FFF2-40B4-BE49-F238E27FC236}">
-                <a16:creationId xmlns:a16="http://schemas.microsoft.com/office/drawing/2014/main" id="{92E19E78-A5FD-D97C-56F8-927423398289}"/>
-              </a:ext>
-            </a:extLst>
-          </p:cNvPr>
-          <p:cNvSpPr>
-            <a:spLocks noGrp="1"/>
-          </p:cNvSpPr>
-          <p:nvPr>
-            <p:ph type="title"/>
-          </p:nvPr>
-        </p:nvSpPr>
-        <p:spPr>
-          <a:xfrm>
-            <a:off x="808638" y="386930"/>
-            <a:ext cx="9236700" cy="1188950"/>
-          </a:xfrm>
-        </p:spPr>
-        <p:txBody>
-          <a:bodyPr anchor="b">
-            <a:normAutofit fontScale="90000"/>
-          </a:bodyPr>
-          <a:lstStyle/>
-          <a:p>
-            <a:r>
-              <a:rPr lang="cs-CZ" sz="5400" dirty="0"/>
-              <a:t>Nižší a vyšší programovací jazyky</a:t>
-            </a:r>
-          </a:p>
-        </p:txBody>
-      </p:sp>
-      <p:grpSp>
-        <p:nvGrpSpPr>
-          <p:cNvPr id="11" name="Group 10">
-            <a:extLst>
-              <a:ext uri="{FF2B5EF4-FFF2-40B4-BE49-F238E27FC236}">
-                <a16:creationId xmlns:a16="http://schemas.microsoft.com/office/drawing/2014/main" id="{28FAF094-D087-493F-8DF9-A486C2D6BBAA}"/>
-              </a:ext>
-              <a:ext uri="{C183D7F6-B498-43B3-948B-1728B52AA6E4}">
-                <adec:decorative xmlns:adec="http://schemas.microsoft.com/office/drawing/2017/decorative" val="1"/>
-              </a:ext>
-            </a:extLst>
-          </p:cNvPr>
-          <p:cNvGrpSpPr>
-            <a:grpSpLocks noGrp="1" noUngrp="1" noRot="1" noChangeAspect="1" noMove="1" noResize="1"/>
-          </p:cNvGrpSpPr>
-          <p:nvPr>
-            <p:extLst>
-              <p:ext uri="{386F3935-93C4-4BCD-93E2-E3B085C9AB24}">
-                <p16:designElem xmlns:p16="http://schemas.microsoft.com/office/powerpoint/2015/main" val="1"/>
-              </p:ext>
-            </p:extLst>
-          </p:nvPr>
-        </p:nvGrpSpPr>
-        <p:grpSpPr>
-          <a:xfrm>
-            <a:off x="-2" y="1998368"/>
-            <a:ext cx="11695083" cy="782176"/>
-            <a:chOff x="-2" y="1998368"/>
-            <a:chExt cx="11695083" cy="782176"/>
-          </a:xfrm>
-        </p:grpSpPr>
-        <p:sp>
-          <p:nvSpPr>
-            <p:cNvPr id="12" name="Rectangle 11">
-              <a:extLst>
-                <a:ext uri="{FF2B5EF4-FFF2-40B4-BE49-F238E27FC236}">
-                  <a16:creationId xmlns:a16="http://schemas.microsoft.com/office/drawing/2014/main" id="{8D7C88D8-5509-4514-925A-9CE148E5CBD6}"/>
-                </a:ext>
-                <a:ext uri="{C183D7F6-B498-43B3-948B-1728B52AA6E4}">
-                  <adec:decorative xmlns:adec="http://schemas.microsoft.com/office/drawing/2017/decorative" val="1"/>
-                </a:ext>
-              </a:extLst>
-            </p:cNvPr>
-            <p:cNvSpPr/>
-            <p:nvPr>
-              <p:extLst>
-                <p:ext uri="{386F3935-93C4-4BCD-93E2-E3B085C9AB24}">
-                  <p16:designElem xmlns:p16="http://schemas.microsoft.com/office/powerpoint/2015/main" val="1"/>
-                </p:ext>
-              </p:extLst>
-            </p:nvPr>
-          </p:nvSpPr>
-          <p:spPr>
-            <a:xfrm rot="5400000">
-              <a:off x="11228040" y="2313027"/>
-              <a:ext cx="781700" cy="152382"/>
-            </a:xfrm>
-            <a:prstGeom prst="rect">
-              <a:avLst/>
-            </a:prstGeom>
-            <a:solidFill>
-              <a:schemeClr val="accent4"/>
-            </a:solidFill>
-            <a:ln>
-              <a:noFill/>
-            </a:ln>
-          </p:spPr>
-          <p:style>
-            <a:lnRef idx="2">
-              <a:schemeClr val="accent1">
-                <a:shade val="50000"/>
-              </a:schemeClr>
-            </a:lnRef>
-            <a:fillRef idx="1">
-              <a:schemeClr val="accent1"/>
-            </a:fillRef>
-            <a:effectRef idx="0">
-              <a:schemeClr val="accent1"/>
-            </a:effectRef>
-            <a:fontRef idx="minor">
-              <a:schemeClr val="lt1"/>
-            </a:fontRef>
-          </p:style>
-          <p:txBody>
-            <a:bodyPr rtlCol="0" anchor="ctr"/>
-            <a:lstStyle/>
-            <a:p>
-              <a:pPr algn="ctr"/>
-              <a:endParaRPr lang="en-US"/>
-            </a:p>
-          </p:txBody>
-        </p:sp>
-        <p:sp>
-          <p:nvSpPr>
-            <p:cNvPr id="13" name="Rectangle 12">
-              <a:extLst>
-                <a:ext uri="{FF2B5EF4-FFF2-40B4-BE49-F238E27FC236}">
-                  <a16:creationId xmlns:a16="http://schemas.microsoft.com/office/drawing/2014/main" id="{7275593D-F75E-4426-AE3E-2CDEFD228D25}"/>
-                </a:ext>
-                <a:ext uri="{C183D7F6-B498-43B3-948B-1728B52AA6E4}">
-                  <adec:decorative xmlns:adec="http://schemas.microsoft.com/office/drawing/2017/decorative" val="1"/>
-                </a:ext>
-              </a:extLst>
-            </p:cNvPr>
-            <p:cNvSpPr/>
-            <p:nvPr>
-              <p:extLst>
-                <p:ext uri="{386F3935-93C4-4BCD-93E2-E3B085C9AB24}">
-                  <p16:designElem xmlns:p16="http://schemas.microsoft.com/office/powerpoint/2015/main" val="1"/>
-                </p:ext>
-              </p:extLst>
-            </p:nvPr>
-          </p:nvSpPr>
-          <p:spPr>
-            <a:xfrm flipH="1" flipV="1">
-              <a:off x="-2" y="1998845"/>
-              <a:ext cx="11454595" cy="781699"/>
-            </a:xfrm>
-            <a:prstGeom prst="rect">
-              <a:avLst/>
-            </a:prstGeom>
-            <a:solidFill>
-              <a:schemeClr val="accent4"/>
-            </a:solidFill>
-            <a:ln>
-              <a:noFill/>
-            </a:ln>
-          </p:spPr>
-          <p:style>
-            <a:lnRef idx="2">
-              <a:schemeClr val="accent1">
-                <a:shade val="50000"/>
-              </a:schemeClr>
-            </a:lnRef>
-            <a:fillRef idx="1">
-              <a:schemeClr val="accent1"/>
-            </a:fillRef>
-            <a:effectRef idx="0">
-              <a:schemeClr val="accent1"/>
-            </a:effectRef>
-            <a:fontRef idx="minor">
-              <a:schemeClr val="lt1"/>
-            </a:fontRef>
-          </p:style>
-          <p:txBody>
-            <a:bodyPr rtlCol="0" anchor="ctr"/>
-            <a:lstStyle/>
-            <a:p>
-              <a:pPr algn="ctr"/>
-              <a:endParaRPr lang="en-US"/>
-            </a:p>
-          </p:txBody>
-        </p:sp>
-      </p:grpSp>
-      <p:sp>
-        <p:nvSpPr>
-          <p:cNvPr id="15" name="Rectangle 14">
-            <a:extLst>
-              <a:ext uri="{FF2B5EF4-FFF2-40B4-BE49-F238E27FC236}">
-                <a16:creationId xmlns:a16="http://schemas.microsoft.com/office/drawing/2014/main" id="{E659831F-0D9A-4C63-9EBB-8435B85A440F}"/>
-              </a:ext>
-              <a:ext uri="{C183D7F6-B498-43B3-948B-1728B52AA6E4}">
-                <adec:decorative xmlns:adec="http://schemas.microsoft.com/office/drawing/2017/decorative" val="1"/>
-              </a:ext>
-            </a:extLst>
-          </p:cNvPr>
-          <p:cNvSpPr>
-            <a:spLocks noGrp="1" noRot="1" noChangeAspect="1" noMove="1" noResize="1" noEditPoints="1" noAdjustHandles="1" noChangeArrowheads="1" noChangeShapeType="1" noTextEdit="1"/>
-          </p:cNvSpPr>
-          <p:nvPr>
-            <p:extLst>
-              <p:ext uri="{386F3935-93C4-4BCD-93E2-E3B085C9AB24}">
-                <p16:designElem xmlns:p16="http://schemas.microsoft.com/office/powerpoint/2015/main" val="1"/>
-              </p:ext>
-            </p:extLst>
-          </p:nvPr>
-        </p:nvSpPr>
-        <p:spPr>
-          <a:xfrm>
-            <a:off x="0" y="2203079"/>
-            <a:ext cx="11383362" cy="4147845"/>
-          </a:xfrm>
-          <a:prstGeom prst="rect">
-            <a:avLst/>
-          </a:prstGeom>
-          <a:solidFill>
-            <a:schemeClr val="bg1"/>
-          </a:solidFill>
-          <a:ln>
-            <a:noFill/>
-          </a:ln>
-          <a:effectLst>
-            <a:outerShdw blurRad="139700" dist="127000" dir="5400000" algn="t" rotWithShape="0">
-              <a:prstClr val="black">
-                <a:alpha val="15000"/>
-              </a:prstClr>
-            </a:outerShdw>
-          </a:effectLst>
-        </p:spPr>
-        <p:style>
-          <a:lnRef idx="2">
-            <a:schemeClr val="accent1">
-              <a:shade val="50000"/>
-            </a:schemeClr>
-          </a:lnRef>
-          <a:fillRef idx="1">
-            <a:schemeClr val="accent1"/>
-          </a:fillRef>
-          <a:effectRef idx="0">
-            <a:schemeClr val="accent1"/>
-          </a:effectRef>
-          <a:fontRef idx="minor">
-            <a:schemeClr val="lt1"/>
-          </a:fontRef>
-        </p:style>
-        <p:txBody>
-          <a:bodyPr rtlCol="0" anchor="ctr"/>
-          <a:lstStyle/>
-          <a:p>
-            <a:pPr algn="ctr"/>
-            <a:endParaRPr lang="en-US"/>
-          </a:p>
-        </p:txBody>
-      </p:sp>
-      <p:sp>
-        <p:nvSpPr>
-          <p:cNvPr id="4" name="Zástupný symbol pro číslo snímku 3">
-            <a:extLst>
-              <a:ext uri="{FF2B5EF4-FFF2-40B4-BE49-F238E27FC236}">
-                <a16:creationId xmlns:a16="http://schemas.microsoft.com/office/drawing/2014/main" id="{32929C61-4166-FAF1-7A94-AD1B5F585B7F}"/>
-              </a:ext>
-            </a:extLst>
-          </p:cNvPr>
-          <p:cNvSpPr>
-            <a:spLocks noGrp="1"/>
-          </p:cNvSpPr>
-          <p:nvPr>
-            <p:ph type="sldNum" sz="quarter" idx="12"/>
-          </p:nvPr>
-        </p:nvSpPr>
-        <p:spPr>
-          <a:xfrm>
-            <a:off x="8610600" y="6492240"/>
-            <a:ext cx="2743200" cy="365125"/>
-          </a:xfrm>
-        </p:spPr>
-        <p:txBody>
-          <a:bodyPr>
-            <a:normAutofit/>
-          </a:bodyPr>
-          <a:lstStyle/>
-          <a:p>
-            <a:pPr rtl="0">
-              <a:spcAft>
-                <a:spcPts val="600"/>
-              </a:spcAft>
-            </a:pPr>
-            <a:fld id="{34B7E4EF-A1BD-40F4-AB7B-04F084DD991D}" type="slidenum">
-              <a:rPr lang="en-US" smtClean="0"/>
-              <a:pPr rtl="0">
-                <a:spcAft>
-                  <a:spcPts val="600"/>
-                </a:spcAft>
-              </a:pPr>
-              <a:t>9</a:t>
-            </a:fld>
-            <a:endParaRPr lang="en-US"/>
-          </a:p>
-        </p:txBody>
-      </p:sp>
-      <p:pic>
-        <p:nvPicPr>
-          <p:cNvPr id="5" name="Zástupný obsah 6" descr="Obsah obrázku text&#10;&#10;Popis byl vytvořen automaticky">
-            <a:extLst>
-              <a:ext uri="{FF2B5EF4-FFF2-40B4-BE49-F238E27FC236}">
-                <a16:creationId xmlns:a16="http://schemas.microsoft.com/office/drawing/2014/main" id="{F09AC3E7-4612-1EE7-0993-AD2EEAE2CF6A}"/>
-              </a:ext>
-            </a:extLst>
-          </p:cNvPr>
-          <p:cNvPicPr>
-            <a:picLocks noGrp="1" noChangeAspect="1"/>
-          </p:cNvPicPr>
-          <p:nvPr>
-            <p:ph idx="1"/>
-          </p:nvPr>
-        </p:nvPicPr>
-        <p:blipFill>
-          <a:blip r:embed="rId2"/>
-          <a:stretch>
-            <a:fillRect/>
-          </a:stretch>
-        </p:blipFill>
-        <p:spPr>
-          <a:xfrm>
-            <a:off x="727658" y="2591076"/>
-            <a:ext cx="4191000" cy="3371850"/>
-          </a:xfrm>
-        </p:spPr>
-      </p:pic>
-      <p:pic>
-        <p:nvPicPr>
-          <p:cNvPr id="6" name="Zástupný obsah 8" descr="Obsah obrázku snímek obrazovky&#10;&#10;Popis byl vytvořen automaticky">
-            <a:extLst>
-              <a:ext uri="{FF2B5EF4-FFF2-40B4-BE49-F238E27FC236}">
-                <a16:creationId xmlns:a16="http://schemas.microsoft.com/office/drawing/2014/main" id="{DDC6C039-175B-8BFC-5DCE-EB6D317E912E}"/>
-              </a:ext>
-            </a:extLst>
-          </p:cNvPr>
-          <p:cNvPicPr>
-            <a:picLocks noChangeAspect="1"/>
-          </p:cNvPicPr>
-          <p:nvPr/>
-        </p:nvPicPr>
-        <p:blipFill>
-          <a:blip r:embed="rId3"/>
-          <a:stretch>
-            <a:fillRect/>
-          </a:stretch>
-        </p:blipFill>
-        <p:spPr>
-          <a:xfrm>
-            <a:off x="5776065" y="2801636"/>
-            <a:ext cx="4868999" cy="2950730"/>
-          </a:xfrm>
-          <a:prstGeom prst="rect">
-            <a:avLst/>
-          </a:prstGeom>
-        </p:spPr>
-      </p:pic>
-    </p:spTree>
-    <p:extLst>
-      <p:ext uri="{BB962C8B-B14F-4D97-AF65-F5344CB8AC3E}">
-        <p14:creationId xmlns:p14="http://schemas.microsoft.com/office/powerpoint/2010/main" val="41782903"/>
       </p:ext>
     </p:extLst>
   </p:cSld>
